--- a/assets/docs/lec9-consistency-linearizability.pptx
+++ b/assets/docs/lec9-consistency-linearizability.pptx
@@ -5,7 +5,7 @@
     <p:sldMasterId id="2147483660" r:id="rId1"/>
   </p:sldMasterIdLst>
   <p:notesMasterIdLst>
-    <p:notesMasterId r:id="rId49"/>
+    <p:notesMasterId r:id="rId46"/>
   </p:notesMasterIdLst>
   <p:sldIdLst>
     <p:sldId id="256" r:id="rId2"/>
@@ -52,9 +52,6 @@
     <p:sldId id="399" r:id="rId43"/>
     <p:sldId id="486" r:id="rId44"/>
     <p:sldId id="470" r:id="rId45"/>
-    <p:sldId id="462" r:id="rId46"/>
-    <p:sldId id="384" r:id="rId47"/>
-    <p:sldId id="402" r:id="rId48"/>
   </p:sldIdLst>
   <p:sldSz cx="9144000" cy="6858000" type="screen4x3"/>
   <p:notesSz cx="6858000" cy="9144000"/>
@@ -243,7 +240,7 @@
           <a:p>
             <a:fld id="{31B89D39-AF6D-2F4E-8456-1FBCE0A4B084}" type="datetimeFigureOut">
               <a:rPr lang="en-US" smtClean="0"/>
-              <a:t>9/28/24</a:t>
+              <a:t>10/15/24</a:t>
             </a:fld>
             <a:endParaRPr lang="en-US"/>
           </a:p>
@@ -1140,275 +1137,6 @@
     <p:extLst>
       <p:ext uri="{BB962C8B-B14F-4D97-AF65-F5344CB8AC3E}">
         <p14:creationId xmlns:p14="http://schemas.microsoft.com/office/powerpoint/2010/main" val="2461624324"/>
-      </p:ext>
-    </p:extLst>
-  </p:cSld>
-  <p:clrMapOvr>
-    <a:masterClrMapping/>
-  </p:clrMapOvr>
-</p:notes>
-</file>
-
-<file path=ppt/notesSlides/notesSlide15.xml><?xml version="1.0" encoding="utf-8"?>
-<p:notes xmlns:a="http://schemas.openxmlformats.org/drawingml/2006/main" xmlns:r="http://schemas.openxmlformats.org/officeDocument/2006/relationships" xmlns:p="http://schemas.openxmlformats.org/presentationml/2006/main">
-  <p:cSld>
-    <p:spTree>
-      <p:nvGrpSpPr>
-        <p:cNvPr id="1" name=""/>
-        <p:cNvGrpSpPr/>
-        <p:nvPr/>
-      </p:nvGrpSpPr>
-      <p:grpSpPr>
-        <a:xfrm>
-          <a:off x="0" y="0"/>
-          <a:ext cx="0" cy="0"/>
-          <a:chOff x="0" y="0"/>
-          <a:chExt cx="0" cy="0"/>
-        </a:xfrm>
-      </p:grpSpPr>
-      <p:sp>
-        <p:nvSpPr>
-          <p:cNvPr id="53250" name="Rectangle 7"/>
-          <p:cNvSpPr>
-            <a:spLocks noGrp="1" noChangeArrowheads="1"/>
-          </p:cNvSpPr>
-          <p:nvPr>
-            <p:ph type="sldNum" sz="quarter" idx="5"/>
-          </p:nvPr>
-        </p:nvSpPr>
-        <p:spPr>
-          <a:noFill/>
-        </p:spPr>
-        <p:txBody>
-          <a:bodyPr/>
-          <a:lstStyle/>
-          <a:p>
-            <a:fld id="{9E1A99DE-1F3D-A14B-A151-1A84AB534E79}" type="slidenum">
-              <a:rPr lang="en-US"/>
-              <a:pPr/>
-              <a:t>45</a:t>
-            </a:fld>
-            <a:endParaRPr lang="en-US"/>
-          </a:p>
-        </p:txBody>
-      </p:sp>
-      <p:sp>
-        <p:nvSpPr>
-          <p:cNvPr id="53251" name="Rectangle 2"/>
-          <p:cNvSpPr>
-            <a:spLocks noGrp="1" noRot="1" noChangeAspect="1" noChangeArrowheads="1" noTextEdit="1"/>
-          </p:cNvSpPr>
-          <p:nvPr>
-            <p:ph type="sldImg"/>
-          </p:nvPr>
-        </p:nvSpPr>
-        <p:spPr>
-          <a:ln/>
-        </p:spPr>
-      </p:sp>
-      <p:sp>
-        <p:nvSpPr>
-          <p:cNvPr id="53252" name="Rectangle 3"/>
-          <p:cNvSpPr>
-            <a:spLocks noGrp="1" noChangeArrowheads="1"/>
-          </p:cNvSpPr>
-          <p:nvPr>
-            <p:ph type="body" idx="1"/>
-          </p:nvPr>
-        </p:nvSpPr>
-        <p:spPr>
-          <a:noFill/>
-          <a:ln/>
-        </p:spPr>
-        <p:txBody>
-          <a:bodyPr/>
-          <a:lstStyle/>
-          <a:p>
-            <a:endParaRPr lang="en-US" dirty="0"/>
-          </a:p>
-        </p:txBody>
-      </p:sp>
-    </p:spTree>
-    <p:extLst>
-      <p:ext uri="{BB962C8B-B14F-4D97-AF65-F5344CB8AC3E}">
-        <p14:creationId xmlns:p14="http://schemas.microsoft.com/office/powerpoint/2010/main" val="1365766192"/>
-      </p:ext>
-    </p:extLst>
-  </p:cSld>
-  <p:clrMapOvr>
-    <a:masterClrMapping/>
-  </p:clrMapOvr>
-</p:notes>
-</file>
-
-<file path=ppt/notesSlides/notesSlide16.xml><?xml version="1.0" encoding="utf-8"?>
-<p:notes xmlns:a="http://schemas.openxmlformats.org/drawingml/2006/main" xmlns:r="http://schemas.openxmlformats.org/officeDocument/2006/relationships" xmlns:p="http://schemas.openxmlformats.org/presentationml/2006/main">
-  <p:cSld>
-    <p:spTree>
-      <p:nvGrpSpPr>
-        <p:cNvPr id="1" name=""/>
-        <p:cNvGrpSpPr/>
-        <p:nvPr/>
-      </p:nvGrpSpPr>
-      <p:grpSpPr>
-        <a:xfrm>
-          <a:off x="0" y="0"/>
-          <a:ext cx="0" cy="0"/>
-          <a:chOff x="0" y="0"/>
-          <a:chExt cx="0" cy="0"/>
-        </a:xfrm>
-      </p:grpSpPr>
-      <p:sp>
-        <p:nvSpPr>
-          <p:cNvPr id="2" name="Slide Image Placeholder 1"/>
-          <p:cNvSpPr>
-            <a:spLocks noGrp="1" noRot="1" noChangeAspect="1"/>
-          </p:cNvSpPr>
-          <p:nvPr>
-            <p:ph type="sldImg"/>
-          </p:nvPr>
-        </p:nvSpPr>
-        <p:spPr/>
-      </p:sp>
-      <p:sp>
-        <p:nvSpPr>
-          <p:cNvPr id="3" name="Notes Placeholder 2"/>
-          <p:cNvSpPr>
-            <a:spLocks noGrp="1"/>
-          </p:cNvSpPr>
-          <p:nvPr>
-            <p:ph type="body" idx="1"/>
-          </p:nvPr>
-        </p:nvSpPr>
-        <p:spPr/>
-        <p:txBody>
-          <a:bodyPr>
-            <a:normAutofit/>
-          </a:bodyPr>
-          <a:lstStyle/>
-          <a:p>
-            <a:endParaRPr lang="en-US" dirty="0"/>
-          </a:p>
-        </p:txBody>
-      </p:sp>
-      <p:sp>
-        <p:nvSpPr>
-          <p:cNvPr id="4" name="Slide Number Placeholder 3"/>
-          <p:cNvSpPr>
-            <a:spLocks noGrp="1"/>
-          </p:cNvSpPr>
-          <p:nvPr>
-            <p:ph type="sldNum" sz="quarter" idx="10"/>
-          </p:nvPr>
-        </p:nvSpPr>
-        <p:spPr/>
-        <p:txBody>
-          <a:bodyPr/>
-          <a:lstStyle/>
-          <a:p>
-            <a:fld id="{4A778F28-420F-4BA3-94BA-70586D1ECC9A}" type="slidenum">
-              <a:rPr lang="en-US" smtClean="0"/>
-              <a:pPr/>
-              <a:t>46</a:t>
-            </a:fld>
-            <a:endParaRPr lang="en-US"/>
-          </a:p>
-        </p:txBody>
-      </p:sp>
-    </p:spTree>
-    <p:extLst>
-      <p:ext uri="{BB962C8B-B14F-4D97-AF65-F5344CB8AC3E}">
-        <p14:creationId xmlns:p14="http://schemas.microsoft.com/office/powerpoint/2010/main" val="3258974410"/>
-      </p:ext>
-    </p:extLst>
-  </p:cSld>
-  <p:clrMapOvr>
-    <a:masterClrMapping/>
-  </p:clrMapOvr>
-</p:notes>
-</file>
-
-<file path=ppt/notesSlides/notesSlide17.xml><?xml version="1.0" encoding="utf-8"?>
-<p:notes xmlns:a="http://schemas.openxmlformats.org/drawingml/2006/main" xmlns:r="http://schemas.openxmlformats.org/officeDocument/2006/relationships" xmlns:p="http://schemas.openxmlformats.org/presentationml/2006/main">
-  <p:cSld>
-    <p:spTree>
-      <p:nvGrpSpPr>
-        <p:cNvPr id="1" name=""/>
-        <p:cNvGrpSpPr/>
-        <p:nvPr/>
-      </p:nvGrpSpPr>
-      <p:grpSpPr>
-        <a:xfrm>
-          <a:off x="0" y="0"/>
-          <a:ext cx="0" cy="0"/>
-          <a:chOff x="0" y="0"/>
-          <a:chExt cx="0" cy="0"/>
-        </a:xfrm>
-      </p:grpSpPr>
-      <p:sp>
-        <p:nvSpPr>
-          <p:cNvPr id="2" name="Slide Image Placeholder 1"/>
-          <p:cNvSpPr>
-            <a:spLocks noGrp="1" noRot="1" noChangeAspect="1"/>
-          </p:cNvSpPr>
-          <p:nvPr>
-            <p:ph type="sldImg"/>
-          </p:nvPr>
-        </p:nvSpPr>
-        <p:spPr/>
-      </p:sp>
-      <p:sp>
-        <p:nvSpPr>
-          <p:cNvPr id="3" name="Notes Placeholder 2"/>
-          <p:cNvSpPr>
-            <a:spLocks noGrp="1"/>
-          </p:cNvSpPr>
-          <p:nvPr>
-            <p:ph type="body" idx="1"/>
-          </p:nvPr>
-        </p:nvSpPr>
-        <p:spPr/>
-        <p:txBody>
-          <a:bodyPr/>
-          <a:lstStyle/>
-          <a:p>
-            <a:endParaRPr lang="en-US" dirty="0"/>
-          </a:p>
-        </p:txBody>
-      </p:sp>
-      <p:sp>
-        <p:nvSpPr>
-          <p:cNvPr id="4" name="Slide Number Placeholder 3"/>
-          <p:cNvSpPr>
-            <a:spLocks noGrp="1"/>
-          </p:cNvSpPr>
-          <p:nvPr>
-            <p:ph type="sldNum" sz="quarter" idx="10"/>
-          </p:nvPr>
-        </p:nvSpPr>
-        <p:spPr/>
-        <p:txBody>
-          <a:bodyPr/>
-          <a:lstStyle/>
-          <a:p>
-            <a:pPr>
-              <a:defRPr/>
-            </a:pPr>
-            <a:fld id="{B069701C-02A1-CE43-ADB4-E98A80C283F2}" type="slidenum">
-              <a:rPr lang="en-US" smtClean="0"/>
-              <a:pPr>
-                <a:defRPr/>
-              </a:pPr>
-              <a:t>47</a:t>
-            </a:fld>
-            <a:endParaRPr lang="en-US"/>
-          </a:p>
-        </p:txBody>
-      </p:sp>
-    </p:spTree>
-    <p:extLst>
-      <p:ext uri="{BB962C8B-B14F-4D97-AF65-F5344CB8AC3E}">
-        <p14:creationId xmlns:p14="http://schemas.microsoft.com/office/powerpoint/2010/main" val="1642594303"/>
       </p:ext>
     </p:extLst>
   </p:cSld>
@@ -29450,3058 +29178,6 @@
     <p:extLst>
       <p:ext uri="{BB962C8B-B14F-4D97-AF65-F5344CB8AC3E}">
         <p14:creationId xmlns:p14="http://schemas.microsoft.com/office/powerpoint/2010/main" val="2508531310"/>
-      </p:ext>
-    </p:extLst>
-  </p:cSld>
-  <p:clrMapOvr>
-    <a:masterClrMapping/>
-  </p:clrMapOvr>
-</p:sld>
-</file>
-
-<file path=ppt/slides/slide45.xml><?xml version="1.0" encoding="utf-8"?>
-<p:sld xmlns:a="http://schemas.openxmlformats.org/drawingml/2006/main" xmlns:r="http://schemas.openxmlformats.org/officeDocument/2006/relationships" xmlns:p="http://schemas.openxmlformats.org/presentationml/2006/main" showMasterPhAnim="0" show="0">
-  <p:cSld>
-    <p:spTree>
-      <p:nvGrpSpPr>
-        <p:cNvPr id="1" name=""/>
-        <p:cNvGrpSpPr/>
-        <p:nvPr/>
-      </p:nvGrpSpPr>
-      <p:grpSpPr>
-        <a:xfrm>
-          <a:off x="0" y="0"/>
-          <a:ext cx="0" cy="0"/>
-          <a:chOff x="0" y="0"/>
-          <a:chExt cx="0" cy="0"/>
-        </a:xfrm>
-      </p:grpSpPr>
-      <p:sp>
-        <p:nvSpPr>
-          <p:cNvPr id="52229" name="AutoShape 2"/>
-          <p:cNvSpPr>
-            <a:spLocks noGrp="1" noChangeAspect="1" noChangeArrowheads="1"/>
-          </p:cNvSpPr>
-          <p:nvPr>
-            <p:ph type="title"/>
-          </p:nvPr>
-        </p:nvSpPr>
-        <p:spPr/>
-        <p:txBody>
-          <a:bodyPr/>
-          <a:lstStyle/>
-          <a:p>
-            <a:pPr eaLnBrk="1" hangingPunct="1"/>
-            <a:r>
-              <a:rPr lang="en-US" dirty="0"/>
-              <a:t>Causal consistency</a:t>
-            </a:r>
-          </a:p>
-        </p:txBody>
-      </p:sp>
-      <p:pic>
-        <p:nvPicPr>
-          <p:cNvPr id="52231" name="Picture 4"/>
-          <p:cNvPicPr>
-            <a:picLocks noChangeAspect="1" noChangeArrowheads="1"/>
-          </p:cNvPicPr>
-          <p:nvPr/>
-        </p:nvPicPr>
-        <p:blipFill>
-          <a:blip r:embed="rId3"/>
-          <a:srcRect l="19455" t="48489" r="48531" b="43655"/>
-          <a:stretch>
-            <a:fillRect/>
-          </a:stretch>
-        </p:blipFill>
-        <p:spPr bwMode="auto">
-          <a:xfrm>
-            <a:off x="838200" y="1447799"/>
-            <a:ext cx="5705475" cy="1911927"/>
-          </a:xfrm>
-          <a:prstGeom prst="rect">
-            <a:avLst/>
-          </a:prstGeom>
-          <a:noFill/>
-          <a:ln w="9525">
-            <a:noFill/>
-            <a:miter lim="800000"/>
-            <a:headEnd/>
-            <a:tailEnd/>
-          </a:ln>
-        </p:spPr>
-      </p:pic>
-      <p:pic>
-        <p:nvPicPr>
-          <p:cNvPr id="52232" name="Picture 5"/>
-          <p:cNvPicPr>
-            <a:picLocks noChangeAspect="1" noChangeArrowheads="1"/>
-          </p:cNvPicPr>
-          <p:nvPr/>
-        </p:nvPicPr>
-        <p:blipFill>
-          <a:blip r:embed="rId3"/>
-          <a:srcRect l="51950" t="48489" r="11545" b="43655"/>
-          <a:stretch>
-            <a:fillRect/>
-          </a:stretch>
-        </p:blipFill>
-        <p:spPr bwMode="auto">
-          <a:xfrm>
-            <a:off x="504825" y="3276600"/>
-            <a:ext cx="6505575" cy="1828800"/>
-          </a:xfrm>
-          <a:prstGeom prst="rect">
-            <a:avLst/>
-          </a:prstGeom>
-          <a:noFill/>
-          <a:ln w="9525">
-            <a:noFill/>
-            <a:miter lim="800000"/>
-            <a:headEnd/>
-            <a:tailEnd/>
-          </a:ln>
-        </p:spPr>
-      </p:pic>
-      <p:sp>
-        <p:nvSpPr>
-          <p:cNvPr id="12" name="Rounded Rectangle 146"/>
-          <p:cNvSpPr>
-            <a:spLocks noChangeArrowheads="1"/>
-          </p:cNvSpPr>
-          <p:nvPr/>
-        </p:nvSpPr>
-        <p:spPr bwMode="auto">
-          <a:xfrm>
-            <a:off x="6934200" y="3810000"/>
-            <a:ext cx="2209800" cy="1066800"/>
-          </a:xfrm>
-          <a:prstGeom prst="roundRect">
-            <a:avLst>
-              <a:gd name="adj" fmla="val 16667"/>
-            </a:avLst>
-          </a:prstGeom>
-          <a:noFill/>
-          <a:ln w="57150" algn="ctr">
-            <a:noFill/>
-            <a:round/>
-            <a:headEnd/>
-            <a:tailEnd/>
-          </a:ln>
-        </p:spPr>
-        <p:txBody>
-          <a:bodyPr lIns="0" rIns="0" anchor="ctr"/>
-          <a:lstStyle/>
-          <a:p>
-            <a:pPr algn="ctr">
-              <a:spcBef>
-                <a:spcPct val="20000"/>
-              </a:spcBef>
-            </a:pPr>
-            <a:r>
-              <a:rPr lang="en-US" sz="16600" dirty="0">
-                <a:solidFill>
-                  <a:srgbClr val="008000"/>
-                </a:solidFill>
-                <a:latin typeface="Comic Sans MS" pitchFamily="66" charset="0"/>
-                <a:sym typeface="Wingdings"/>
-              </a:rPr>
-              <a:t></a:t>
-            </a:r>
-            <a:endParaRPr lang="en-US" sz="8000" b="1" dirty="0">
-              <a:solidFill>
-                <a:srgbClr val="008000"/>
-              </a:solidFill>
-              <a:latin typeface="Comic Sans MS" pitchFamily="66" charset="0"/>
-            </a:endParaRPr>
-          </a:p>
-        </p:txBody>
-      </p:sp>
-      <p:sp>
-        <p:nvSpPr>
-          <p:cNvPr id="13" name="Rounded Rectangle 146"/>
-          <p:cNvSpPr>
-            <a:spLocks noChangeArrowheads="1"/>
-          </p:cNvSpPr>
-          <p:nvPr/>
-        </p:nvSpPr>
-        <p:spPr bwMode="auto">
-          <a:xfrm>
-            <a:off x="6934200" y="1676400"/>
-            <a:ext cx="2209800" cy="1066800"/>
-          </a:xfrm>
-          <a:prstGeom prst="roundRect">
-            <a:avLst>
-              <a:gd name="adj" fmla="val 16667"/>
-            </a:avLst>
-          </a:prstGeom>
-          <a:noFill/>
-          <a:ln w="57150" algn="ctr">
-            <a:noFill/>
-            <a:round/>
-            <a:headEnd/>
-            <a:tailEnd/>
-          </a:ln>
-        </p:spPr>
-        <p:txBody>
-          <a:bodyPr lIns="0" rIns="0" anchor="ctr"/>
-          <a:lstStyle/>
-          <a:p>
-            <a:pPr algn="ctr">
-              <a:spcBef>
-                <a:spcPct val="20000"/>
-              </a:spcBef>
-            </a:pPr>
-            <a:r>
-              <a:rPr lang="en-US" sz="11500" dirty="0">
-                <a:solidFill>
-                  <a:srgbClr val="FF0000"/>
-                </a:solidFill>
-                <a:latin typeface="Comic Sans MS" pitchFamily="66" charset="0"/>
-              </a:rPr>
-              <a:t>x</a:t>
-            </a:r>
-            <a:endParaRPr lang="en-US" sz="8000" b="1" dirty="0">
-              <a:solidFill>
-                <a:srgbClr val="FF0000"/>
-              </a:solidFill>
-              <a:latin typeface="Comic Sans MS" pitchFamily="66" charset="0"/>
-            </a:endParaRPr>
-          </a:p>
-        </p:txBody>
-      </p:sp>
-      <p:sp>
-        <p:nvSpPr>
-          <p:cNvPr id="8" name="Rectangle 3"/>
-          <p:cNvSpPr txBox="1">
-            <a:spLocks noChangeArrowheads="1"/>
-          </p:cNvSpPr>
-          <p:nvPr/>
-        </p:nvSpPr>
-        <p:spPr>
-          <a:xfrm>
-            <a:off x="594198" y="5334000"/>
-            <a:ext cx="8077200" cy="1131408"/>
-          </a:xfrm>
-          <a:prstGeom prst="rect">
-            <a:avLst/>
-          </a:prstGeom>
-        </p:spPr>
-        <p:txBody>
-          <a:bodyPr vert="horz" lIns="91440" tIns="45720" rIns="91440" bIns="45720" rtlCol="0">
-            <a:noAutofit/>
-          </a:bodyPr>
-          <a:lstStyle/>
-          <a:p>
-            <a:pPr marR="0" lvl="0" algn="l" defTabSz="914400" rtl="0" eaLnBrk="1" fontAlgn="auto" latinLnBrk="0" hangingPunct="1">
-              <a:lnSpc>
-                <a:spcPct val="100000"/>
-              </a:lnSpc>
-              <a:spcBef>
-                <a:spcPts val="2200"/>
-              </a:spcBef>
-              <a:spcAft>
-                <a:spcPts val="0"/>
-              </a:spcAft>
-              <a:buClr>
-                <a:schemeClr val="bg2"/>
-              </a:buClr>
-              <a:buSzPct val="90000"/>
-              <a:tabLst/>
-              <a:defRPr/>
-            </a:pPr>
-            <a:r>
-              <a:rPr kumimoji="0" lang="en-US" sz="2400" u="none" strike="noStrike" kern="1200" cap="none" spc="0" normalizeH="0" baseline="0" noProof="0" dirty="0">
-                <a:ln>
-                  <a:noFill/>
-                </a:ln>
-                <a:solidFill>
-                  <a:schemeClr val="tx1"/>
-                </a:solidFill>
-                <a:effectLst/>
-                <a:uLnTx/>
-                <a:uFillTx/>
-                <a:latin typeface="Helvetica Neue Light" panose="02000403000000020004" pitchFamily="2" charset="0"/>
-                <a:ea typeface="Helvetica Neue Light" panose="02000403000000020004" pitchFamily="2" charset="0"/>
-                <a:cs typeface="Helvetica Neue" panose="02000503000000020004" pitchFamily="2" charset="0"/>
-              </a:rPr>
-              <a:t>A:</a:t>
-            </a:r>
-            <a:r>
-              <a:rPr kumimoji="0" lang="en-US" sz="2400" u="none" strike="noStrike" kern="1200" cap="none" spc="0" normalizeH="0" noProof="0" dirty="0">
-                <a:ln>
-                  <a:noFill/>
-                </a:ln>
-                <a:solidFill>
-                  <a:schemeClr val="tx1"/>
-                </a:solidFill>
-                <a:effectLst/>
-                <a:uLnTx/>
-                <a:uFillTx/>
-                <a:latin typeface="Helvetica Neue Light" panose="02000403000000020004" pitchFamily="2" charset="0"/>
-                <a:ea typeface="Helvetica Neue Light" panose="02000403000000020004" pitchFamily="2" charset="0"/>
-                <a:cs typeface="Helvetica Neue" panose="02000503000000020004" pitchFamily="2" charset="0"/>
-              </a:rPr>
-              <a:t>  Violation:  </a:t>
-            </a:r>
-            <a:r>
-              <a:rPr lang="en-US" sz="2400" dirty="0" err="1">
-                <a:latin typeface="Helvetica Neue Light" panose="02000403000000020004" pitchFamily="2" charset="0"/>
-                <a:ea typeface="Helvetica Neue Light" panose="02000403000000020004" pitchFamily="2" charset="0"/>
-                <a:cs typeface="Helvetica Neue" panose="02000503000000020004" pitchFamily="2" charset="0"/>
-              </a:rPr>
-              <a:t>W(x)b</a:t>
-            </a:r>
-            <a:r>
-              <a:rPr lang="en-US" sz="2400" dirty="0">
-                <a:latin typeface="Helvetica Neue Light" panose="02000403000000020004" pitchFamily="2" charset="0"/>
-                <a:ea typeface="Helvetica Neue Light" panose="02000403000000020004" pitchFamily="2" charset="0"/>
-                <a:cs typeface="Helvetica Neue" panose="02000503000000020004" pitchFamily="2" charset="0"/>
-              </a:rPr>
-              <a:t> is potentially </a:t>
-            </a:r>
-            <a:r>
-              <a:rPr lang="en-US" sz="2400" dirty="0" err="1">
-                <a:latin typeface="Helvetica Neue Light" panose="02000403000000020004" pitchFamily="2" charset="0"/>
-                <a:ea typeface="Helvetica Neue Light" panose="02000403000000020004" pitchFamily="2" charset="0"/>
-                <a:cs typeface="Helvetica Neue" panose="02000503000000020004" pitchFamily="2" charset="0"/>
-              </a:rPr>
-              <a:t>dep</a:t>
-            </a:r>
-            <a:r>
-              <a:rPr lang="en-US" sz="2400" dirty="0">
-                <a:latin typeface="Helvetica Neue Light" panose="02000403000000020004" pitchFamily="2" charset="0"/>
-                <a:ea typeface="Helvetica Neue Light" panose="02000403000000020004" pitchFamily="2" charset="0"/>
-                <a:cs typeface="Helvetica Neue" panose="02000503000000020004" pitchFamily="2" charset="0"/>
-              </a:rPr>
-              <a:t> on </a:t>
-            </a:r>
-            <a:r>
-              <a:rPr lang="en-US" sz="2400" dirty="0" err="1">
-                <a:latin typeface="Helvetica Neue Light" panose="02000403000000020004" pitchFamily="2" charset="0"/>
-                <a:ea typeface="Helvetica Neue Light" panose="02000403000000020004" pitchFamily="2" charset="0"/>
-                <a:cs typeface="Helvetica Neue" panose="02000503000000020004" pitchFamily="2" charset="0"/>
-              </a:rPr>
-              <a:t>W(x)a</a:t>
-            </a:r>
-            <a:endParaRPr lang="en-US" sz="2400" dirty="0">
-              <a:latin typeface="Helvetica Neue Light" panose="02000403000000020004" pitchFamily="2" charset="0"/>
-              <a:ea typeface="Helvetica Neue Light" panose="02000403000000020004" pitchFamily="2" charset="0"/>
-              <a:cs typeface="Helvetica Neue" panose="02000503000000020004" pitchFamily="2" charset="0"/>
-            </a:endParaRPr>
-          </a:p>
-          <a:p>
-            <a:pPr marR="0" lvl="0" algn="l" defTabSz="914400" rtl="0" eaLnBrk="1" fontAlgn="auto" latinLnBrk="0" hangingPunct="1">
-              <a:lnSpc>
-                <a:spcPct val="100000"/>
-              </a:lnSpc>
-              <a:spcBef>
-                <a:spcPts val="2200"/>
-              </a:spcBef>
-              <a:spcAft>
-                <a:spcPts val="0"/>
-              </a:spcAft>
-              <a:buClr>
-                <a:schemeClr val="bg2"/>
-              </a:buClr>
-              <a:buSzPct val="90000"/>
-              <a:tabLst/>
-              <a:defRPr/>
-            </a:pPr>
-            <a:r>
-              <a:rPr kumimoji="0" lang="en-US" sz="2400" u="none" strike="noStrike" kern="1200" cap="none" spc="0" normalizeH="0" baseline="0" noProof="0" dirty="0">
-                <a:ln>
-                  <a:noFill/>
-                </a:ln>
-                <a:solidFill>
-                  <a:schemeClr val="tx1"/>
-                </a:solidFill>
-                <a:effectLst/>
-                <a:uLnTx/>
-                <a:uFillTx/>
-                <a:latin typeface="Helvetica Neue Light" panose="02000403000000020004" pitchFamily="2" charset="0"/>
-                <a:ea typeface="Helvetica Neue Light" panose="02000403000000020004" pitchFamily="2" charset="0"/>
-                <a:cs typeface="Helvetica Neue" panose="02000503000000020004" pitchFamily="2" charset="0"/>
-              </a:rPr>
-              <a:t>B:</a:t>
-            </a:r>
-            <a:r>
-              <a:rPr kumimoji="0" lang="en-US" sz="2400" u="none" strike="noStrike" kern="1200" cap="none" spc="0" normalizeH="0" noProof="0" dirty="0">
-                <a:ln>
-                  <a:noFill/>
-                </a:ln>
-                <a:solidFill>
-                  <a:schemeClr val="tx1"/>
-                </a:solidFill>
-                <a:effectLst/>
-                <a:uLnTx/>
-                <a:uFillTx/>
-                <a:latin typeface="Helvetica Neue Light" panose="02000403000000020004" pitchFamily="2" charset="0"/>
-                <a:ea typeface="Helvetica Neue Light" panose="02000403000000020004" pitchFamily="2" charset="0"/>
-                <a:cs typeface="Helvetica Neue" panose="02000503000000020004" pitchFamily="2" charset="0"/>
-              </a:rPr>
-              <a:t>  Correct.  P2 doesn’t read value of a before W</a:t>
-            </a:r>
-            <a:endParaRPr kumimoji="0" lang="en-US" sz="2400" u="none" strike="noStrike" kern="1200" cap="none" spc="0" normalizeH="0" baseline="0" noProof="0" dirty="0">
-              <a:ln>
-                <a:noFill/>
-              </a:ln>
-              <a:solidFill>
-                <a:schemeClr val="tx1"/>
-              </a:solidFill>
-              <a:effectLst/>
-              <a:uLnTx/>
-              <a:uFillTx/>
-              <a:latin typeface="Helvetica Neue Light" panose="02000403000000020004" pitchFamily="2" charset="0"/>
-              <a:ea typeface="Helvetica Neue Light" panose="02000403000000020004" pitchFamily="2" charset="0"/>
-              <a:cs typeface="Helvetica Neue" panose="02000503000000020004" pitchFamily="2" charset="0"/>
-            </a:endParaRPr>
-          </a:p>
-        </p:txBody>
-      </p:sp>
-      <p:sp>
-        <p:nvSpPr>
-          <p:cNvPr id="2" name="Footer Placeholder 1">
-            <a:extLst>
-              <a:ext uri="{FF2B5EF4-FFF2-40B4-BE49-F238E27FC236}">
-                <a16:creationId xmlns:a16="http://schemas.microsoft.com/office/drawing/2014/main" id="{AB236254-ACF8-E44D-A963-82666CDB8772}"/>
-              </a:ext>
-            </a:extLst>
-          </p:cNvPr>
-          <p:cNvSpPr>
-            <a:spLocks noGrp="1"/>
-          </p:cNvSpPr>
-          <p:nvPr>
-            <p:ph type="ftr" sz="quarter" idx="11"/>
-          </p:nvPr>
-        </p:nvSpPr>
-        <p:spPr/>
-        <p:txBody>
-          <a:bodyPr/>
-          <a:lstStyle/>
-          <a:p>
-            <a:r>
-              <a:rPr lang="en-US"/>
-              <a:t>UVA CS4740 Fall '24</a:t>
-            </a:r>
-            <a:endParaRPr lang="en-US" dirty="0"/>
-          </a:p>
-        </p:txBody>
-      </p:sp>
-      <p:sp>
-        <p:nvSpPr>
-          <p:cNvPr id="3" name="Slide Number Placeholder 2">
-            <a:extLst>
-              <a:ext uri="{FF2B5EF4-FFF2-40B4-BE49-F238E27FC236}">
-                <a16:creationId xmlns:a16="http://schemas.microsoft.com/office/drawing/2014/main" id="{435B3EFA-AAA3-7848-B97B-D25172478765}"/>
-              </a:ext>
-            </a:extLst>
-          </p:cNvPr>
-          <p:cNvSpPr>
-            <a:spLocks noGrp="1"/>
-          </p:cNvSpPr>
-          <p:nvPr>
-            <p:ph type="sldNum" sz="quarter" idx="12"/>
-          </p:nvPr>
-        </p:nvSpPr>
-        <p:spPr/>
-        <p:txBody>
-          <a:bodyPr/>
-          <a:lstStyle/>
-          <a:p>
-            <a:fld id="{3FEAB63E-74B1-D643-A3C6-246018F1E4D4}" type="slidenum">
-              <a:rPr lang="en-US" smtClean="0"/>
-              <a:pPr/>
-              <a:t>45</a:t>
-            </a:fld>
-            <a:endParaRPr lang="en-US"/>
-          </a:p>
-        </p:txBody>
-      </p:sp>
-      <p:sp>
-        <p:nvSpPr>
-          <p:cNvPr id="4" name="Date Placeholder 3">
-            <a:extLst>
-              <a:ext uri="{FF2B5EF4-FFF2-40B4-BE49-F238E27FC236}">
-                <a16:creationId xmlns:a16="http://schemas.microsoft.com/office/drawing/2014/main" id="{76C37927-C15F-284E-A51C-E4E355B47E3E}"/>
-              </a:ext>
-            </a:extLst>
-          </p:cNvPr>
-          <p:cNvSpPr>
-            <a:spLocks noGrp="1"/>
-          </p:cNvSpPr>
-          <p:nvPr>
-            <p:ph type="dt" sz="half" idx="10"/>
-          </p:nvPr>
-        </p:nvSpPr>
-        <p:spPr/>
-        <p:txBody>
-          <a:bodyPr/>
-          <a:lstStyle/>
-          <a:p>
-            <a:r>
-              <a:rPr lang="en-US"/>
-              <a:t>Y. Cheng</a:t>
-            </a:r>
-            <a:endParaRPr lang="en-US" dirty="0"/>
-          </a:p>
-        </p:txBody>
-      </p:sp>
-    </p:spTree>
-    <p:extLst>
-      <p:ext uri="{BB962C8B-B14F-4D97-AF65-F5344CB8AC3E}">
-        <p14:creationId xmlns:p14="http://schemas.microsoft.com/office/powerpoint/2010/main" val="786269569"/>
-      </p:ext>
-    </p:extLst>
-  </p:cSld>
-  <p:clrMapOvr>
-    <a:masterClrMapping/>
-  </p:clrMapOvr>
-  <p:timing>
-    <p:tnLst>
-      <p:par>
-        <p:cTn id="1" dur="indefinite" restart="never" nodeType="tmRoot">
-          <p:childTnLst>
-            <p:seq concurrent="1" nextAc="seek">
-              <p:cTn id="2" dur="indefinite" nodeType="mainSeq">
-                <p:childTnLst>
-                  <p:par>
-                    <p:cTn id="3" fill="hold">
-                      <p:stCondLst>
-                        <p:cond delay="indefinite"/>
-                      </p:stCondLst>
-                      <p:childTnLst>
-                        <p:par>
-                          <p:cTn id="4" fill="hold">
-                            <p:stCondLst>
-                              <p:cond delay="0"/>
-                            </p:stCondLst>
-                            <p:childTnLst>
-                              <p:par>
-                                <p:cTn id="5" presetID="55" presetClass="entr" presetSubtype="0" fill="hold" grpId="0" nodeType="clickEffect">
-                                  <p:stCondLst>
-                                    <p:cond delay="0"/>
-                                  </p:stCondLst>
-                                  <p:childTnLst>
-                                    <p:set>
-                                      <p:cBhvr>
-                                        <p:cTn id="6" dur="1" fill="hold">
-                                          <p:stCondLst>
-                                            <p:cond delay="0"/>
-                                          </p:stCondLst>
-                                        </p:cTn>
-                                        <p:tgtEl>
-                                          <p:spTgt spid="13"/>
-                                        </p:tgtEl>
-                                        <p:attrNameLst>
-                                          <p:attrName>style.visibility</p:attrName>
-                                        </p:attrNameLst>
-                                      </p:cBhvr>
-                                      <p:to>
-                                        <p:strVal val="visible"/>
-                                      </p:to>
-                                    </p:set>
-                                    <p:anim calcmode="lin" valueType="num">
-                                      <p:cBhvr>
-                                        <p:cTn id="7" dur="1000" fill="hold"/>
-                                        <p:tgtEl>
-                                          <p:spTgt spid="13"/>
-                                        </p:tgtEl>
-                                        <p:attrNameLst>
-                                          <p:attrName>ppt_w</p:attrName>
-                                        </p:attrNameLst>
-                                      </p:cBhvr>
-                                      <p:tavLst>
-                                        <p:tav tm="0">
-                                          <p:val>
-                                            <p:strVal val="#ppt_w*0.70"/>
-                                          </p:val>
-                                        </p:tav>
-                                        <p:tav tm="100000">
-                                          <p:val>
-                                            <p:strVal val="#ppt_w"/>
-                                          </p:val>
-                                        </p:tav>
-                                      </p:tavLst>
-                                    </p:anim>
-                                    <p:anim calcmode="lin" valueType="num">
-                                      <p:cBhvr>
-                                        <p:cTn id="8" dur="1000" fill="hold"/>
-                                        <p:tgtEl>
-                                          <p:spTgt spid="13"/>
-                                        </p:tgtEl>
-                                        <p:attrNameLst>
-                                          <p:attrName>ppt_h</p:attrName>
-                                        </p:attrNameLst>
-                                      </p:cBhvr>
-                                      <p:tavLst>
-                                        <p:tav tm="0">
-                                          <p:val>
-                                            <p:strVal val="#ppt_h"/>
-                                          </p:val>
-                                        </p:tav>
-                                        <p:tav tm="100000">
-                                          <p:val>
-                                            <p:strVal val="#ppt_h"/>
-                                          </p:val>
-                                        </p:tav>
-                                      </p:tavLst>
-                                    </p:anim>
-                                    <p:animEffect transition="in" filter="fade">
-                                      <p:cBhvr>
-                                        <p:cTn id="9" dur="1000"/>
-                                        <p:tgtEl>
-                                          <p:spTgt spid="13"/>
-                                        </p:tgtEl>
-                                      </p:cBhvr>
-                                    </p:animEffect>
-                                  </p:childTnLst>
-                                </p:cTn>
-                              </p:par>
-                              <p:par>
-                                <p:cTn id="10" presetID="1" presetClass="entr" presetSubtype="0" fill="hold" nodeType="withEffect">
-                                  <p:stCondLst>
-                                    <p:cond delay="0"/>
-                                  </p:stCondLst>
-                                  <p:childTnLst>
-                                    <p:set>
-                                      <p:cBhvr>
-                                        <p:cTn id="11" dur="1" fill="hold">
-                                          <p:stCondLst>
-                                            <p:cond delay="0"/>
-                                          </p:stCondLst>
-                                        </p:cTn>
-                                        <p:tgtEl>
-                                          <p:spTgt spid="8">
-                                            <p:txEl>
-                                              <p:pRg st="0" end="0"/>
-                                            </p:txEl>
-                                          </p:spTgt>
-                                        </p:tgtEl>
-                                        <p:attrNameLst>
-                                          <p:attrName>style.visibility</p:attrName>
-                                        </p:attrNameLst>
-                                      </p:cBhvr>
-                                      <p:to>
-                                        <p:strVal val="visible"/>
-                                      </p:to>
-                                    </p:set>
-                                  </p:childTnLst>
-                                </p:cTn>
-                              </p:par>
-                            </p:childTnLst>
-                          </p:cTn>
-                        </p:par>
-                      </p:childTnLst>
-                    </p:cTn>
-                  </p:par>
-                  <p:par>
-                    <p:cTn id="12" fill="hold">
-                      <p:stCondLst>
-                        <p:cond delay="indefinite"/>
-                      </p:stCondLst>
-                      <p:childTnLst>
-                        <p:par>
-                          <p:cTn id="13" fill="hold">
-                            <p:stCondLst>
-                              <p:cond delay="0"/>
-                            </p:stCondLst>
-                            <p:childTnLst>
-                              <p:par>
-                                <p:cTn id="14" presetID="55" presetClass="entr" presetSubtype="0" fill="hold" grpId="0" nodeType="clickEffect">
-                                  <p:stCondLst>
-                                    <p:cond delay="0"/>
-                                  </p:stCondLst>
-                                  <p:childTnLst>
-                                    <p:set>
-                                      <p:cBhvr>
-                                        <p:cTn id="15" dur="1" fill="hold">
-                                          <p:stCondLst>
-                                            <p:cond delay="0"/>
-                                          </p:stCondLst>
-                                        </p:cTn>
-                                        <p:tgtEl>
-                                          <p:spTgt spid="12"/>
-                                        </p:tgtEl>
-                                        <p:attrNameLst>
-                                          <p:attrName>style.visibility</p:attrName>
-                                        </p:attrNameLst>
-                                      </p:cBhvr>
-                                      <p:to>
-                                        <p:strVal val="visible"/>
-                                      </p:to>
-                                    </p:set>
-                                    <p:anim calcmode="lin" valueType="num">
-                                      <p:cBhvr>
-                                        <p:cTn id="16" dur="1000" fill="hold"/>
-                                        <p:tgtEl>
-                                          <p:spTgt spid="12"/>
-                                        </p:tgtEl>
-                                        <p:attrNameLst>
-                                          <p:attrName>ppt_w</p:attrName>
-                                        </p:attrNameLst>
-                                      </p:cBhvr>
-                                      <p:tavLst>
-                                        <p:tav tm="0">
-                                          <p:val>
-                                            <p:strVal val="#ppt_w*0.70"/>
-                                          </p:val>
-                                        </p:tav>
-                                        <p:tav tm="100000">
-                                          <p:val>
-                                            <p:strVal val="#ppt_w"/>
-                                          </p:val>
-                                        </p:tav>
-                                      </p:tavLst>
-                                    </p:anim>
-                                    <p:anim calcmode="lin" valueType="num">
-                                      <p:cBhvr>
-                                        <p:cTn id="17" dur="1000" fill="hold"/>
-                                        <p:tgtEl>
-                                          <p:spTgt spid="12"/>
-                                        </p:tgtEl>
-                                        <p:attrNameLst>
-                                          <p:attrName>ppt_h</p:attrName>
-                                        </p:attrNameLst>
-                                      </p:cBhvr>
-                                      <p:tavLst>
-                                        <p:tav tm="0">
-                                          <p:val>
-                                            <p:strVal val="#ppt_h"/>
-                                          </p:val>
-                                        </p:tav>
-                                        <p:tav tm="100000">
-                                          <p:val>
-                                            <p:strVal val="#ppt_h"/>
-                                          </p:val>
-                                        </p:tav>
-                                      </p:tavLst>
-                                    </p:anim>
-                                    <p:animEffect transition="in" filter="fade">
-                                      <p:cBhvr>
-                                        <p:cTn id="18" dur="1000"/>
-                                        <p:tgtEl>
-                                          <p:spTgt spid="12"/>
-                                        </p:tgtEl>
-                                      </p:cBhvr>
-                                    </p:animEffect>
-                                  </p:childTnLst>
-                                </p:cTn>
-                              </p:par>
-                              <p:par>
-                                <p:cTn id="19" presetID="1" presetClass="entr" presetSubtype="0" fill="hold" nodeType="withEffect">
-                                  <p:stCondLst>
-                                    <p:cond delay="0"/>
-                                  </p:stCondLst>
-                                  <p:childTnLst>
-                                    <p:set>
-                                      <p:cBhvr>
-                                        <p:cTn id="20" dur="1" fill="hold">
-                                          <p:stCondLst>
-                                            <p:cond delay="0"/>
-                                          </p:stCondLst>
-                                        </p:cTn>
-                                        <p:tgtEl>
-                                          <p:spTgt spid="8">
-                                            <p:txEl>
-                                              <p:pRg st="1" end="1"/>
-                                            </p:txEl>
-                                          </p:spTgt>
-                                        </p:tgtEl>
-                                        <p:attrNameLst>
-                                          <p:attrName>style.visibility</p:attrName>
-                                        </p:attrNameLst>
-                                      </p:cBhvr>
-                                      <p:to>
-                                        <p:strVal val="visible"/>
-                                      </p:to>
-                                    </p:set>
-                                  </p:childTnLst>
-                                </p:cTn>
-                              </p:par>
-                            </p:childTnLst>
-                          </p:cTn>
-                        </p:par>
-                      </p:childTnLst>
-                    </p:cTn>
-                  </p:par>
-                </p:childTnLst>
-              </p:cTn>
-              <p:prevCondLst>
-                <p:cond evt="onPrev" delay="0">
-                  <p:tgtEl>
-                    <p:sldTgt/>
-                  </p:tgtEl>
-                </p:cond>
-              </p:prevCondLst>
-              <p:nextCondLst>
-                <p:cond evt="onNext" delay="0">
-                  <p:tgtEl>
-                    <p:sldTgt/>
-                  </p:tgtEl>
-                </p:cond>
-              </p:nextCondLst>
-            </p:seq>
-          </p:childTnLst>
-        </p:cTn>
-      </p:par>
-    </p:tnLst>
-    <p:bldLst>
-      <p:bldP spid="12" grpId="0"/>
-      <p:bldP spid="13" grpId="0"/>
-    </p:bldLst>
-  </p:timing>
-</p:sld>
-</file>
-
-<file path=ppt/slides/slide46.xml><?xml version="1.0" encoding="utf-8"?>
-<p:sld xmlns:a="http://schemas.openxmlformats.org/drawingml/2006/main" xmlns:r="http://schemas.openxmlformats.org/officeDocument/2006/relationships" xmlns:p="http://schemas.openxmlformats.org/presentationml/2006/main" show="0">
-  <p:cSld>
-    <p:spTree>
-      <p:nvGrpSpPr>
-        <p:cNvPr id="1" name=""/>
-        <p:cNvGrpSpPr/>
-        <p:nvPr/>
-      </p:nvGrpSpPr>
-      <p:grpSpPr>
-        <a:xfrm>
-          <a:off x="0" y="0"/>
-          <a:ext cx="0" cy="0"/>
-          <a:chOff x="0" y="0"/>
-          <a:chExt cx="0" cy="0"/>
-        </a:xfrm>
-      </p:grpSpPr>
-      <p:sp>
-        <p:nvSpPr>
-          <p:cNvPr id="38917" name="Rectangle 2"/>
-          <p:cNvSpPr>
-            <a:spLocks noGrp="1" noChangeArrowheads="1"/>
-          </p:cNvSpPr>
-          <p:nvPr>
-            <p:ph type="title"/>
-          </p:nvPr>
-        </p:nvSpPr>
-        <p:spPr/>
-        <p:txBody>
-          <a:bodyPr/>
-          <a:lstStyle/>
-          <a:p>
-            <a:pPr eaLnBrk="1" hangingPunct="1"/>
-            <a:r>
-              <a:rPr lang="en-US" sz="4000" dirty="0"/>
-              <a:t>Quiz 2: Valid Sequential Consistency?</a:t>
-            </a:r>
-          </a:p>
-        </p:txBody>
-      </p:sp>
-      <p:pic>
-        <p:nvPicPr>
-          <p:cNvPr id="38919" name="Picture 4"/>
-          <p:cNvPicPr>
-            <a:picLocks noChangeAspect="1" noChangeArrowheads="1"/>
-          </p:cNvPicPr>
-          <p:nvPr/>
-        </p:nvPicPr>
-        <p:blipFill>
-          <a:blip r:embed="rId3"/>
-          <a:srcRect l="20738" t="47885" r="19241" b="42447"/>
-          <a:stretch>
-            <a:fillRect/>
-          </a:stretch>
-        </p:blipFill>
-        <p:spPr bwMode="auto">
-          <a:xfrm>
-            <a:off x="0" y="1303739"/>
-            <a:ext cx="9144000" cy="2667000"/>
-          </a:xfrm>
-          <a:prstGeom prst="rect">
-            <a:avLst/>
-          </a:prstGeom>
-          <a:noFill/>
-          <a:ln w="9525">
-            <a:noFill/>
-            <a:miter lim="800000"/>
-            <a:headEnd/>
-            <a:tailEnd/>
-          </a:ln>
-        </p:spPr>
-      </p:pic>
-      <p:sp>
-        <p:nvSpPr>
-          <p:cNvPr id="9" name="Rounded Rectangle 146"/>
-          <p:cNvSpPr>
-            <a:spLocks noChangeArrowheads="1"/>
-          </p:cNvSpPr>
-          <p:nvPr/>
-        </p:nvSpPr>
-        <p:spPr bwMode="auto">
-          <a:xfrm>
-            <a:off x="1426032" y="3166698"/>
-            <a:ext cx="1981200" cy="804041"/>
-          </a:xfrm>
-          <a:prstGeom prst="roundRect">
-            <a:avLst>
-              <a:gd name="adj" fmla="val 16667"/>
-            </a:avLst>
-          </a:prstGeom>
-          <a:noFill/>
-          <a:ln w="57150" algn="ctr">
-            <a:noFill/>
-            <a:round/>
-            <a:headEnd/>
-            <a:tailEnd/>
-          </a:ln>
-        </p:spPr>
-        <p:txBody>
-          <a:bodyPr lIns="0" rIns="0" anchor="ctr"/>
-          <a:lstStyle/>
-          <a:p>
-            <a:pPr algn="ctr">
-              <a:spcBef>
-                <a:spcPct val="20000"/>
-              </a:spcBef>
-            </a:pPr>
-            <a:r>
-              <a:rPr lang="en-US" sz="9000" dirty="0">
-                <a:solidFill>
-                  <a:srgbClr val="008000"/>
-                </a:solidFill>
-                <a:latin typeface="Comic Sans MS" pitchFamily="66" charset="0"/>
-                <a:sym typeface="Wingdings"/>
-              </a:rPr>
-              <a:t></a:t>
-            </a:r>
-            <a:endParaRPr lang="en-US" sz="9000" b="1" dirty="0">
-              <a:solidFill>
-                <a:srgbClr val="008000"/>
-              </a:solidFill>
-              <a:latin typeface="Comic Sans MS" pitchFamily="66" charset="0"/>
-            </a:endParaRPr>
-          </a:p>
-        </p:txBody>
-      </p:sp>
-      <p:sp>
-        <p:nvSpPr>
-          <p:cNvPr id="10" name="Rounded Rectangle 146"/>
-          <p:cNvSpPr>
-            <a:spLocks noChangeArrowheads="1"/>
-          </p:cNvSpPr>
-          <p:nvPr/>
-        </p:nvSpPr>
-        <p:spPr bwMode="auto">
-          <a:xfrm>
-            <a:off x="6090305" y="2861898"/>
-            <a:ext cx="2296886" cy="1108841"/>
-          </a:xfrm>
-          <a:prstGeom prst="roundRect">
-            <a:avLst>
-              <a:gd name="adj" fmla="val 16667"/>
-            </a:avLst>
-          </a:prstGeom>
-          <a:noFill/>
-          <a:ln w="57150" algn="ctr">
-            <a:noFill/>
-            <a:round/>
-            <a:headEnd/>
-            <a:tailEnd/>
-          </a:ln>
-        </p:spPr>
-        <p:txBody>
-          <a:bodyPr lIns="0" rIns="0" anchor="ctr"/>
-          <a:lstStyle/>
-          <a:p>
-            <a:pPr algn="ctr">
-              <a:spcBef>
-                <a:spcPct val="20000"/>
-              </a:spcBef>
-            </a:pPr>
-            <a:r>
-              <a:rPr lang="en-US" sz="9000" dirty="0" err="1">
-                <a:solidFill>
-                  <a:srgbClr val="FF0000"/>
-                </a:solidFill>
-                <a:latin typeface="Comic Sans MS" pitchFamily="66" charset="0"/>
-              </a:rPr>
-              <a:t>x</a:t>
-            </a:r>
-            <a:endParaRPr lang="en-US" sz="9000" b="1" dirty="0">
-              <a:solidFill>
-                <a:srgbClr val="FF0000"/>
-              </a:solidFill>
-              <a:latin typeface="Comic Sans MS" pitchFamily="66" charset="0"/>
-            </a:endParaRPr>
-          </a:p>
-        </p:txBody>
-      </p:sp>
-      <p:sp>
-        <p:nvSpPr>
-          <p:cNvPr id="6" name="Rectangle 3"/>
-          <p:cNvSpPr txBox="1">
-            <a:spLocks noChangeArrowheads="1"/>
-          </p:cNvSpPr>
-          <p:nvPr/>
-        </p:nvSpPr>
-        <p:spPr>
-          <a:xfrm>
-            <a:off x="628650" y="3970739"/>
-            <a:ext cx="8018961" cy="2802610"/>
-          </a:xfrm>
-          <a:prstGeom prst="rect">
-            <a:avLst/>
-          </a:prstGeom>
-        </p:spPr>
-        <p:txBody>
-          <a:bodyPr vert="horz" lIns="91440" tIns="45720" rIns="91440" bIns="45720" rtlCol="0">
-            <a:noAutofit/>
-          </a:bodyPr>
-          <a:lstStyle/>
-          <a:p>
-            <a:pPr marL="457200" marR="0" lvl="0" indent="-457200" algn="l" defTabSz="914400" rtl="0" eaLnBrk="1" fontAlgn="auto" latinLnBrk="0" hangingPunct="1">
-              <a:lnSpc>
-                <a:spcPct val="100000"/>
-              </a:lnSpc>
-              <a:spcBef>
-                <a:spcPts val="2200"/>
-              </a:spcBef>
-              <a:spcAft>
-                <a:spcPts val="0"/>
-              </a:spcAft>
-              <a:buClr>
-                <a:schemeClr val="tx1"/>
-              </a:buClr>
-              <a:buSzPct val="90000"/>
-              <a:buFont typeface="Arial" charset="0"/>
-              <a:buChar char="•"/>
-              <a:tabLst/>
-              <a:defRPr/>
-            </a:pPr>
-            <a:r>
-              <a:rPr lang="en-US" sz="2600" dirty="0">
-                <a:latin typeface="Helvetica Neue Light" panose="02000403000000020004" pitchFamily="2" charset="0"/>
-                <a:ea typeface="Helvetica Neue Light" panose="02000403000000020004" pitchFamily="2" charset="0"/>
-                <a:cs typeface="Calibri"/>
-              </a:rPr>
-              <a:t>Why?  Because P3 and P4 </a:t>
-            </a:r>
-            <a:r>
-              <a:rPr kumimoji="0" lang="en-US" sz="2600" u="none" strike="noStrike" kern="1200" cap="none" spc="0" normalizeH="0" noProof="0" dirty="0">
-                <a:ln>
-                  <a:noFill/>
-                </a:ln>
-                <a:solidFill>
-                  <a:schemeClr val="tx1"/>
-                </a:solidFill>
-                <a:effectLst/>
-                <a:uLnTx/>
-                <a:uFillTx/>
-                <a:latin typeface="Helvetica Neue Light" panose="02000403000000020004" pitchFamily="2" charset="0"/>
-                <a:ea typeface="Helvetica Neue Light" panose="02000403000000020004" pitchFamily="2" charset="0"/>
-                <a:cs typeface="Calibri"/>
-              </a:rPr>
-              <a:t>don’t agree on order of ops. Doesn’t matter when events took place on diff machine, as long as </a:t>
-            </a:r>
-            <a:r>
-              <a:rPr kumimoji="0" lang="en-US" sz="2600" u="none" strike="noStrike" kern="1200" cap="none" spc="0" normalizeH="0" noProof="0" dirty="0" err="1">
-                <a:ln>
-                  <a:noFill/>
-                </a:ln>
-                <a:solidFill>
-                  <a:schemeClr val="tx1"/>
-                </a:solidFill>
-                <a:effectLst/>
-                <a:uLnTx/>
-                <a:uFillTx/>
-                <a:latin typeface="Helvetica Neue Light" panose="02000403000000020004" pitchFamily="2" charset="0"/>
-                <a:ea typeface="Helvetica Neue Light" panose="02000403000000020004" pitchFamily="2" charset="0"/>
-                <a:cs typeface="Calibri"/>
-              </a:rPr>
-              <a:t>proc’s</a:t>
-            </a:r>
-            <a:r>
-              <a:rPr kumimoji="0" lang="en-US" sz="2600" u="none" strike="noStrike" kern="1200" cap="none" spc="0" normalizeH="0" noProof="0" dirty="0">
-                <a:ln>
-                  <a:noFill/>
-                </a:ln>
-                <a:solidFill>
-                  <a:schemeClr val="tx1"/>
-                </a:solidFill>
-                <a:effectLst/>
-                <a:uLnTx/>
-                <a:uFillTx/>
-                <a:latin typeface="Helvetica Neue Light" panose="02000403000000020004" pitchFamily="2" charset="0"/>
-                <a:ea typeface="Helvetica Neue Light" panose="02000403000000020004" pitchFamily="2" charset="0"/>
-                <a:cs typeface="Calibri"/>
-              </a:rPr>
-              <a:t> AGREE on order.  </a:t>
-            </a:r>
-          </a:p>
-          <a:p>
-            <a:pPr marL="457200" marR="0" lvl="0" indent="-457200" algn="l" defTabSz="914400" rtl="0" eaLnBrk="1" fontAlgn="auto" latinLnBrk="0" hangingPunct="1">
-              <a:lnSpc>
-                <a:spcPct val="100000"/>
-              </a:lnSpc>
-              <a:spcBef>
-                <a:spcPts val="2200"/>
-              </a:spcBef>
-              <a:spcAft>
-                <a:spcPts val="0"/>
-              </a:spcAft>
-              <a:buClr>
-                <a:schemeClr val="tx1"/>
-              </a:buClr>
-              <a:buSzPct val="90000"/>
-              <a:buFont typeface="Arial" charset="0"/>
-              <a:buChar char="•"/>
-              <a:tabLst/>
-              <a:defRPr/>
-            </a:pPr>
-            <a:r>
-              <a:rPr kumimoji="0" lang="en-US" sz="2600" u="none" strike="noStrike" kern="1200" cap="none" spc="0" normalizeH="0" noProof="0" dirty="0">
-                <a:ln>
-                  <a:noFill/>
-                </a:ln>
-                <a:solidFill>
-                  <a:schemeClr val="tx1"/>
-                </a:solidFill>
-                <a:effectLst/>
-                <a:uLnTx/>
-                <a:uFillTx/>
-                <a:latin typeface="Helvetica Neue Light" panose="02000403000000020004" pitchFamily="2" charset="0"/>
-                <a:ea typeface="Helvetica Neue Light" panose="02000403000000020004" pitchFamily="2" charset="0"/>
-                <a:cs typeface="Calibri"/>
-              </a:rPr>
-              <a:t>What if P1 did both W(x)a and W(x)b? </a:t>
-            </a:r>
-          </a:p>
-          <a:p>
-            <a:pPr marL="914400" lvl="1" indent="-457200" algn="l" fontAlgn="auto">
-              <a:spcBef>
-                <a:spcPts val="800"/>
-              </a:spcBef>
-              <a:spcAft>
-                <a:spcPts val="0"/>
-              </a:spcAft>
-              <a:buClr>
-                <a:schemeClr val="tx1"/>
-              </a:buClr>
-              <a:buSzPct val="90000"/>
-              <a:buFont typeface=".HelveticaNeueDeskInterface-Regular" charset="-120"/>
-              <a:buChar char="-"/>
-              <a:defRPr/>
-            </a:pPr>
-            <a:r>
-              <a:rPr kumimoji="0" lang="en-US" sz="2400" u="none" strike="noStrike" kern="1200" cap="none" spc="0" normalizeH="0" noProof="0" dirty="0">
-                <a:ln>
-                  <a:noFill/>
-                </a:ln>
-                <a:solidFill>
-                  <a:schemeClr val="tx1"/>
-                </a:solidFill>
-                <a:effectLst/>
-                <a:uLnTx/>
-                <a:uFillTx/>
-                <a:latin typeface="Helvetica Neue Light" panose="02000403000000020004" pitchFamily="2" charset="0"/>
-                <a:ea typeface="Helvetica Neue Light" panose="02000403000000020004" pitchFamily="2" charset="0"/>
-                <a:cs typeface="Calibri"/>
-              </a:rPr>
-              <a:t>Neither valid, as (a) doesn’t preserve local ordering</a:t>
-            </a:r>
-            <a:endParaRPr kumimoji="0" lang="en-US" sz="2400" u="none" strike="noStrike" kern="1200" cap="none" spc="0" normalizeH="0" baseline="0" noProof="0" dirty="0">
-              <a:ln>
-                <a:noFill/>
-              </a:ln>
-              <a:solidFill>
-                <a:schemeClr val="tx1"/>
-              </a:solidFill>
-              <a:effectLst/>
-              <a:uLnTx/>
-              <a:uFillTx/>
-              <a:latin typeface="Helvetica Neue Light" panose="02000403000000020004" pitchFamily="2" charset="0"/>
-              <a:ea typeface="Helvetica Neue Light" panose="02000403000000020004" pitchFamily="2" charset="0"/>
-              <a:cs typeface="Calibri"/>
-            </a:endParaRPr>
-          </a:p>
-        </p:txBody>
-      </p:sp>
-      <p:sp>
-        <p:nvSpPr>
-          <p:cNvPr id="2" name="Footer Placeholder 1">
-            <a:extLst>
-              <a:ext uri="{FF2B5EF4-FFF2-40B4-BE49-F238E27FC236}">
-                <a16:creationId xmlns:a16="http://schemas.microsoft.com/office/drawing/2014/main" id="{5E5B246B-43E7-AF44-BD23-B1654897612B}"/>
-              </a:ext>
-            </a:extLst>
-          </p:cNvPr>
-          <p:cNvSpPr>
-            <a:spLocks noGrp="1"/>
-          </p:cNvSpPr>
-          <p:nvPr>
-            <p:ph type="ftr" sz="quarter" idx="11"/>
-          </p:nvPr>
-        </p:nvSpPr>
-        <p:spPr/>
-        <p:txBody>
-          <a:bodyPr/>
-          <a:lstStyle/>
-          <a:p>
-            <a:r>
-              <a:rPr lang="en-US"/>
-              <a:t>UVA CS4740 Fall '24</a:t>
-            </a:r>
-            <a:endParaRPr lang="en-US" dirty="0"/>
-          </a:p>
-        </p:txBody>
-      </p:sp>
-      <p:sp>
-        <p:nvSpPr>
-          <p:cNvPr id="3" name="Slide Number Placeholder 2">
-            <a:extLst>
-              <a:ext uri="{FF2B5EF4-FFF2-40B4-BE49-F238E27FC236}">
-                <a16:creationId xmlns:a16="http://schemas.microsoft.com/office/drawing/2014/main" id="{7D63F8E4-C841-AF4F-B538-BC9C38CAC24C}"/>
-              </a:ext>
-            </a:extLst>
-          </p:cNvPr>
-          <p:cNvSpPr>
-            <a:spLocks noGrp="1"/>
-          </p:cNvSpPr>
-          <p:nvPr>
-            <p:ph type="sldNum" sz="quarter" idx="12"/>
-          </p:nvPr>
-        </p:nvSpPr>
-        <p:spPr/>
-        <p:txBody>
-          <a:bodyPr/>
-          <a:lstStyle/>
-          <a:p>
-            <a:fld id="{3FEAB63E-74B1-D643-A3C6-246018F1E4D4}" type="slidenum">
-              <a:rPr lang="en-US" smtClean="0"/>
-              <a:pPr/>
-              <a:t>46</a:t>
-            </a:fld>
-            <a:endParaRPr lang="en-US"/>
-          </a:p>
-        </p:txBody>
-      </p:sp>
-      <p:sp>
-        <p:nvSpPr>
-          <p:cNvPr id="4" name="Date Placeholder 3">
-            <a:extLst>
-              <a:ext uri="{FF2B5EF4-FFF2-40B4-BE49-F238E27FC236}">
-                <a16:creationId xmlns:a16="http://schemas.microsoft.com/office/drawing/2014/main" id="{B24EF3C0-2B99-AF43-8A38-04917BD3042A}"/>
-              </a:ext>
-            </a:extLst>
-          </p:cNvPr>
-          <p:cNvSpPr>
-            <a:spLocks noGrp="1"/>
-          </p:cNvSpPr>
-          <p:nvPr>
-            <p:ph type="dt" sz="half" idx="10"/>
-          </p:nvPr>
-        </p:nvSpPr>
-        <p:spPr/>
-        <p:txBody>
-          <a:bodyPr/>
-          <a:lstStyle/>
-          <a:p>
-            <a:r>
-              <a:rPr lang="en-US"/>
-              <a:t>Y. Cheng</a:t>
-            </a:r>
-            <a:endParaRPr lang="en-US" dirty="0"/>
-          </a:p>
-        </p:txBody>
-      </p:sp>
-    </p:spTree>
-    <p:extLst>
-      <p:ext uri="{BB962C8B-B14F-4D97-AF65-F5344CB8AC3E}">
-        <p14:creationId xmlns:p14="http://schemas.microsoft.com/office/powerpoint/2010/main" val="4057003748"/>
-      </p:ext>
-    </p:extLst>
-  </p:cSld>
-  <p:clrMapOvr>
-    <a:masterClrMapping/>
-  </p:clrMapOvr>
-  <p:timing>
-    <p:tnLst>
-      <p:par>
-        <p:cTn id="1" dur="indefinite" restart="never" nodeType="tmRoot">
-          <p:childTnLst>
-            <p:seq concurrent="1" nextAc="seek">
-              <p:cTn id="2" dur="indefinite" nodeType="mainSeq">
-                <p:childTnLst>
-                  <p:par>
-                    <p:cTn id="3" fill="hold">
-                      <p:stCondLst>
-                        <p:cond delay="indefinite"/>
-                      </p:stCondLst>
-                      <p:childTnLst>
-                        <p:par>
-                          <p:cTn id="4" fill="hold">
-                            <p:stCondLst>
-                              <p:cond delay="0"/>
-                            </p:stCondLst>
-                            <p:childTnLst>
-                              <p:par>
-                                <p:cTn id="5" presetID="55" presetClass="entr" presetSubtype="0" fill="hold" grpId="0" nodeType="clickEffect">
-                                  <p:stCondLst>
-                                    <p:cond delay="0"/>
-                                  </p:stCondLst>
-                                  <p:childTnLst>
-                                    <p:set>
-                                      <p:cBhvr>
-                                        <p:cTn id="6" dur="1" fill="hold">
-                                          <p:stCondLst>
-                                            <p:cond delay="0"/>
-                                          </p:stCondLst>
-                                        </p:cTn>
-                                        <p:tgtEl>
-                                          <p:spTgt spid="10"/>
-                                        </p:tgtEl>
-                                        <p:attrNameLst>
-                                          <p:attrName>style.visibility</p:attrName>
-                                        </p:attrNameLst>
-                                      </p:cBhvr>
-                                      <p:to>
-                                        <p:strVal val="visible"/>
-                                      </p:to>
-                                    </p:set>
-                                    <p:anim calcmode="lin" valueType="num">
-                                      <p:cBhvr>
-                                        <p:cTn id="7" dur="1000" fill="hold"/>
-                                        <p:tgtEl>
-                                          <p:spTgt spid="10"/>
-                                        </p:tgtEl>
-                                        <p:attrNameLst>
-                                          <p:attrName>ppt_w</p:attrName>
-                                        </p:attrNameLst>
-                                      </p:cBhvr>
-                                      <p:tavLst>
-                                        <p:tav tm="0">
-                                          <p:val>
-                                            <p:strVal val="#ppt_w*0.70"/>
-                                          </p:val>
-                                        </p:tav>
-                                        <p:tav tm="100000">
-                                          <p:val>
-                                            <p:strVal val="#ppt_w"/>
-                                          </p:val>
-                                        </p:tav>
-                                      </p:tavLst>
-                                    </p:anim>
-                                    <p:anim calcmode="lin" valueType="num">
-                                      <p:cBhvr>
-                                        <p:cTn id="8" dur="1000" fill="hold"/>
-                                        <p:tgtEl>
-                                          <p:spTgt spid="10"/>
-                                        </p:tgtEl>
-                                        <p:attrNameLst>
-                                          <p:attrName>ppt_h</p:attrName>
-                                        </p:attrNameLst>
-                                      </p:cBhvr>
-                                      <p:tavLst>
-                                        <p:tav tm="0">
-                                          <p:val>
-                                            <p:strVal val="#ppt_h"/>
-                                          </p:val>
-                                        </p:tav>
-                                        <p:tav tm="100000">
-                                          <p:val>
-                                            <p:strVal val="#ppt_h"/>
-                                          </p:val>
-                                        </p:tav>
-                                      </p:tavLst>
-                                    </p:anim>
-                                    <p:animEffect transition="in" filter="fade">
-                                      <p:cBhvr>
-                                        <p:cTn id="9" dur="1000"/>
-                                        <p:tgtEl>
-                                          <p:spTgt spid="10"/>
-                                        </p:tgtEl>
-                                      </p:cBhvr>
-                                    </p:animEffect>
-                                  </p:childTnLst>
-                                </p:cTn>
-                              </p:par>
-                              <p:par>
-                                <p:cTn id="10" presetID="55" presetClass="entr" presetSubtype="0" fill="hold" grpId="0" nodeType="withEffect">
-                                  <p:stCondLst>
-                                    <p:cond delay="0"/>
-                                  </p:stCondLst>
-                                  <p:childTnLst>
-                                    <p:set>
-                                      <p:cBhvr>
-                                        <p:cTn id="11" dur="1" fill="hold">
-                                          <p:stCondLst>
-                                            <p:cond delay="0"/>
-                                          </p:stCondLst>
-                                        </p:cTn>
-                                        <p:tgtEl>
-                                          <p:spTgt spid="9"/>
-                                        </p:tgtEl>
-                                        <p:attrNameLst>
-                                          <p:attrName>style.visibility</p:attrName>
-                                        </p:attrNameLst>
-                                      </p:cBhvr>
-                                      <p:to>
-                                        <p:strVal val="visible"/>
-                                      </p:to>
-                                    </p:set>
-                                    <p:anim calcmode="lin" valueType="num">
-                                      <p:cBhvr>
-                                        <p:cTn id="12" dur="1000" fill="hold"/>
-                                        <p:tgtEl>
-                                          <p:spTgt spid="9"/>
-                                        </p:tgtEl>
-                                        <p:attrNameLst>
-                                          <p:attrName>ppt_w</p:attrName>
-                                        </p:attrNameLst>
-                                      </p:cBhvr>
-                                      <p:tavLst>
-                                        <p:tav tm="0">
-                                          <p:val>
-                                            <p:strVal val="#ppt_w*0.70"/>
-                                          </p:val>
-                                        </p:tav>
-                                        <p:tav tm="100000">
-                                          <p:val>
-                                            <p:strVal val="#ppt_w"/>
-                                          </p:val>
-                                        </p:tav>
-                                      </p:tavLst>
-                                    </p:anim>
-                                    <p:anim calcmode="lin" valueType="num">
-                                      <p:cBhvr>
-                                        <p:cTn id="13" dur="1000" fill="hold"/>
-                                        <p:tgtEl>
-                                          <p:spTgt spid="9"/>
-                                        </p:tgtEl>
-                                        <p:attrNameLst>
-                                          <p:attrName>ppt_h</p:attrName>
-                                        </p:attrNameLst>
-                                      </p:cBhvr>
-                                      <p:tavLst>
-                                        <p:tav tm="0">
-                                          <p:val>
-                                            <p:strVal val="#ppt_h"/>
-                                          </p:val>
-                                        </p:tav>
-                                        <p:tav tm="100000">
-                                          <p:val>
-                                            <p:strVal val="#ppt_h"/>
-                                          </p:val>
-                                        </p:tav>
-                                      </p:tavLst>
-                                    </p:anim>
-                                    <p:animEffect transition="in" filter="fade">
-                                      <p:cBhvr>
-                                        <p:cTn id="14" dur="1000"/>
-                                        <p:tgtEl>
-                                          <p:spTgt spid="9"/>
-                                        </p:tgtEl>
-                                      </p:cBhvr>
-                                    </p:animEffect>
-                                  </p:childTnLst>
-                                </p:cTn>
-                              </p:par>
-                              <p:par>
-                                <p:cTn id="15" presetID="1" presetClass="entr" presetSubtype="0" fill="hold" grpId="0" nodeType="withEffect">
-                                  <p:stCondLst>
-                                    <p:cond delay="0"/>
-                                  </p:stCondLst>
-                                  <p:childTnLst>
-                                    <p:set>
-                                      <p:cBhvr>
-                                        <p:cTn id="16" dur="1" fill="hold">
-                                          <p:stCondLst>
-                                            <p:cond delay="0"/>
-                                          </p:stCondLst>
-                                        </p:cTn>
-                                        <p:tgtEl>
-                                          <p:spTgt spid="6">
-                                            <p:txEl>
-                                              <p:pRg st="0" end="0"/>
-                                            </p:txEl>
-                                          </p:spTgt>
-                                        </p:tgtEl>
-                                        <p:attrNameLst>
-                                          <p:attrName>style.visibility</p:attrName>
-                                        </p:attrNameLst>
-                                      </p:cBhvr>
-                                      <p:to>
-                                        <p:strVal val="visible"/>
-                                      </p:to>
-                                    </p:set>
-                                  </p:childTnLst>
-                                </p:cTn>
-                              </p:par>
-                            </p:childTnLst>
-                          </p:cTn>
-                        </p:par>
-                      </p:childTnLst>
-                    </p:cTn>
-                  </p:par>
-                  <p:par>
-                    <p:cTn id="17" fill="hold">
-                      <p:stCondLst>
-                        <p:cond delay="indefinite"/>
-                      </p:stCondLst>
-                      <p:childTnLst>
-                        <p:par>
-                          <p:cTn id="18" fill="hold">
-                            <p:stCondLst>
-                              <p:cond delay="0"/>
-                            </p:stCondLst>
-                            <p:childTnLst>
-                              <p:par>
-                                <p:cTn id="19" presetID="1" presetClass="entr" presetSubtype="0" fill="hold" grpId="0" nodeType="clickEffect">
-                                  <p:stCondLst>
-                                    <p:cond delay="0"/>
-                                  </p:stCondLst>
-                                  <p:childTnLst>
-                                    <p:set>
-                                      <p:cBhvr>
-                                        <p:cTn id="20" dur="1" fill="hold">
-                                          <p:stCondLst>
-                                            <p:cond delay="0"/>
-                                          </p:stCondLst>
-                                        </p:cTn>
-                                        <p:tgtEl>
-                                          <p:spTgt spid="6">
-                                            <p:txEl>
-                                              <p:pRg st="1" end="1"/>
-                                            </p:txEl>
-                                          </p:spTgt>
-                                        </p:tgtEl>
-                                        <p:attrNameLst>
-                                          <p:attrName>style.visibility</p:attrName>
-                                        </p:attrNameLst>
-                                      </p:cBhvr>
-                                      <p:to>
-                                        <p:strVal val="visible"/>
-                                      </p:to>
-                                    </p:set>
-                                  </p:childTnLst>
-                                </p:cTn>
-                              </p:par>
-                            </p:childTnLst>
-                          </p:cTn>
-                        </p:par>
-                      </p:childTnLst>
-                    </p:cTn>
-                  </p:par>
-                  <p:par>
-                    <p:cTn id="21" fill="hold">
-                      <p:stCondLst>
-                        <p:cond delay="indefinite"/>
-                      </p:stCondLst>
-                      <p:childTnLst>
-                        <p:par>
-                          <p:cTn id="22" fill="hold">
-                            <p:stCondLst>
-                              <p:cond delay="0"/>
-                            </p:stCondLst>
-                            <p:childTnLst>
-                              <p:par>
-                                <p:cTn id="23" presetID="1" presetClass="entr" presetSubtype="0" fill="hold" grpId="0" nodeType="clickEffect">
-                                  <p:stCondLst>
-                                    <p:cond delay="0"/>
-                                  </p:stCondLst>
-                                  <p:childTnLst>
-                                    <p:set>
-                                      <p:cBhvr>
-                                        <p:cTn id="24" dur="1" fill="hold">
-                                          <p:stCondLst>
-                                            <p:cond delay="0"/>
-                                          </p:stCondLst>
-                                        </p:cTn>
-                                        <p:tgtEl>
-                                          <p:spTgt spid="6">
-                                            <p:txEl>
-                                              <p:pRg st="2" end="2"/>
-                                            </p:txEl>
-                                          </p:spTgt>
-                                        </p:tgtEl>
-                                        <p:attrNameLst>
-                                          <p:attrName>style.visibility</p:attrName>
-                                        </p:attrNameLst>
-                                      </p:cBhvr>
-                                      <p:to>
-                                        <p:strVal val="visible"/>
-                                      </p:to>
-                                    </p:set>
-                                  </p:childTnLst>
-                                </p:cTn>
-                              </p:par>
-                            </p:childTnLst>
-                          </p:cTn>
-                        </p:par>
-                      </p:childTnLst>
-                    </p:cTn>
-                  </p:par>
-                </p:childTnLst>
-              </p:cTn>
-              <p:prevCondLst>
-                <p:cond evt="onPrev" delay="0">
-                  <p:tgtEl>
-                    <p:sldTgt/>
-                  </p:tgtEl>
-                </p:cond>
-              </p:prevCondLst>
-              <p:nextCondLst>
-                <p:cond evt="onNext" delay="0">
-                  <p:tgtEl>
-                    <p:sldTgt/>
-                  </p:tgtEl>
-                </p:cond>
-              </p:nextCondLst>
-            </p:seq>
-          </p:childTnLst>
-        </p:cTn>
-      </p:par>
-    </p:tnLst>
-    <p:bldLst>
-      <p:bldP spid="9" grpId="0"/>
-      <p:bldP spid="10" grpId="0"/>
-      <p:bldP spid="6" grpId="0" uiExpand="1" build="allAtOnce"/>
-    </p:bldLst>
-  </p:timing>
-</p:sld>
-</file>
-
-<file path=ppt/slides/slide47.xml><?xml version="1.0" encoding="utf-8"?>
-<p:sld xmlns:a="http://schemas.openxmlformats.org/drawingml/2006/main" xmlns:r="http://schemas.openxmlformats.org/officeDocument/2006/relationships" xmlns:p="http://schemas.openxmlformats.org/presentationml/2006/main" show="0">
-  <p:cSld>
-    <p:spTree>
-      <p:nvGrpSpPr>
-        <p:cNvPr id="1" name=""/>
-        <p:cNvGrpSpPr/>
-        <p:nvPr/>
-      </p:nvGrpSpPr>
-      <p:grpSpPr>
-        <a:xfrm>
-          <a:off x="0" y="0"/>
-          <a:ext cx="0" cy="0"/>
-          <a:chOff x="0" y="0"/>
-          <a:chExt cx="0" cy="0"/>
-        </a:xfrm>
-      </p:grpSpPr>
-      <p:pic>
-        <p:nvPicPr>
-          <p:cNvPr id="23" name="Picture 22"/>
-          <p:cNvPicPr>
-            <a:picLocks/>
-          </p:cNvPicPr>
-          <p:nvPr/>
-        </p:nvPicPr>
-        <p:blipFill rotWithShape="1">
-          <a:blip r:embed="rId3"/>
-          <a:srcRect l="1921" t="-3492" r="1992" b="274"/>
-          <a:stretch/>
-        </p:blipFill>
-        <p:spPr>
-          <a:xfrm>
-            <a:off x="4661880" y="1851561"/>
-            <a:ext cx="441865" cy="479397"/>
-          </a:xfrm>
-          <a:prstGeom prst="rect">
-            <a:avLst/>
-          </a:prstGeom>
-        </p:spPr>
-      </p:pic>
-      <p:sp>
-        <p:nvSpPr>
-          <p:cNvPr id="3" name="Slide Number Placeholder 2"/>
-          <p:cNvSpPr>
-            <a:spLocks noGrp="1"/>
-          </p:cNvSpPr>
-          <p:nvPr>
-            <p:ph type="sldNum" sz="quarter" idx="12"/>
-          </p:nvPr>
-        </p:nvSpPr>
-        <p:spPr/>
-        <p:txBody>
-          <a:bodyPr/>
-          <a:lstStyle/>
-          <a:p>
-            <a:pPr>
-              <a:defRPr/>
-            </a:pPr>
-            <a:fld id="{729111C5-E04E-4942-8174-12BB645D56A6}" type="slidenum">
-              <a:rPr lang="en-US" smtClean="0"/>
-              <a:pPr>
-                <a:defRPr/>
-              </a:pPr>
-              <a:t>47</a:t>
-            </a:fld>
-            <a:endParaRPr lang="en-US" dirty="0"/>
-          </a:p>
-        </p:txBody>
-      </p:sp>
-      <p:sp>
-        <p:nvSpPr>
-          <p:cNvPr id="4" name="Title 3"/>
-          <p:cNvSpPr>
-            <a:spLocks noGrp="1"/>
-          </p:cNvSpPr>
-          <p:nvPr>
-            <p:ph type="title"/>
-          </p:nvPr>
-        </p:nvSpPr>
-        <p:spPr>
-          <a:xfrm>
-            <a:off x="350196" y="16215"/>
-            <a:ext cx="8793804" cy="1066800"/>
-          </a:xfrm>
-        </p:spPr>
-        <p:txBody>
-          <a:bodyPr/>
-          <a:lstStyle/>
-          <a:p>
-            <a:r>
-              <a:rPr lang="en-US" dirty="0"/>
-              <a:t>Intuition:  Real-time ordering</a:t>
-            </a:r>
-          </a:p>
-        </p:txBody>
-      </p:sp>
-      <p:grpSp>
-        <p:nvGrpSpPr>
-          <p:cNvPr id="12" name="Group 11"/>
-          <p:cNvGrpSpPr/>
-          <p:nvPr/>
-        </p:nvGrpSpPr>
-        <p:grpSpPr>
-          <a:xfrm>
-            <a:off x="933450" y="2572157"/>
-            <a:ext cx="7048500" cy="457200"/>
-            <a:chOff x="895350" y="2303632"/>
-            <a:chExt cx="7048500" cy="457200"/>
-          </a:xfrm>
-        </p:grpSpPr>
-        <p:cxnSp>
-          <p:nvCxnSpPr>
-            <p:cNvPr id="6" name="Straight Arrow Connector 5"/>
-            <p:cNvCxnSpPr/>
-            <p:nvPr/>
-          </p:nvCxnSpPr>
-          <p:spPr>
-            <a:xfrm flipV="1">
-              <a:off x="1504950" y="2503657"/>
-              <a:ext cx="6438900" cy="57150"/>
-            </a:xfrm>
-            <a:prstGeom prst="straightConnector1">
-              <a:avLst/>
-            </a:prstGeom>
-            <a:ln>
-              <a:prstDash val="solid"/>
-              <a:headEnd type="none" w="lg" len="lg"/>
-              <a:tailEnd type="triangle" w="lg" len="lg"/>
-            </a:ln>
-            <a:effectLst/>
-          </p:spPr>
-          <p:style>
-            <a:lnRef idx="3">
-              <a:schemeClr val="dk1"/>
-            </a:lnRef>
-            <a:fillRef idx="0">
-              <a:schemeClr val="dk1"/>
-            </a:fillRef>
-            <a:effectRef idx="2">
-              <a:schemeClr val="dk1"/>
-            </a:effectRef>
-            <a:fontRef idx="minor">
-              <a:schemeClr val="tx1"/>
-            </a:fontRef>
-          </p:style>
-        </p:cxnSp>
-        <p:sp>
-          <p:nvSpPr>
-            <p:cNvPr id="11" name="Rounded Rectangle 10"/>
-            <p:cNvSpPr/>
-            <p:nvPr/>
-          </p:nvSpPr>
-          <p:spPr>
-            <a:xfrm>
-              <a:off x="895350" y="2303632"/>
-              <a:ext cx="457200" cy="457200"/>
-            </a:xfrm>
-            <a:prstGeom prst="roundRect">
-              <a:avLst>
-                <a:gd name="adj" fmla="val 11074"/>
-              </a:avLst>
-            </a:prstGeom>
-            <a:solidFill>
-              <a:srgbClr val="E3EAF9"/>
-            </a:solidFill>
-            <a:ln>
-              <a:solidFill>
-                <a:srgbClr val="4974CB"/>
-              </a:solidFill>
-            </a:ln>
-          </p:spPr>
-          <p:style>
-            <a:lnRef idx="2">
-              <a:schemeClr val="dk1"/>
-            </a:lnRef>
-            <a:fillRef idx="1">
-              <a:schemeClr val="lt1"/>
-            </a:fillRef>
-            <a:effectRef idx="0">
-              <a:schemeClr val="dk1"/>
-            </a:effectRef>
-            <a:fontRef idx="minor">
-              <a:schemeClr val="dk1"/>
-            </a:fontRef>
-          </p:style>
-          <p:txBody>
-            <a:bodyPr rtlCol="0" anchor="ctr"/>
-            <a:lstStyle/>
-            <a:p>
-              <a:pPr algn="ctr"/>
-              <a:endParaRPr lang="en-US" sz="1000"/>
-            </a:p>
-          </p:txBody>
-        </p:sp>
-      </p:grpSp>
-      <p:grpSp>
-        <p:nvGrpSpPr>
-          <p:cNvPr id="13" name="Group 12"/>
-          <p:cNvGrpSpPr/>
-          <p:nvPr/>
-        </p:nvGrpSpPr>
-        <p:grpSpPr>
-          <a:xfrm>
-            <a:off x="933450" y="3210331"/>
-            <a:ext cx="7048500" cy="457200"/>
-            <a:chOff x="895350" y="2303632"/>
-            <a:chExt cx="7048500" cy="457200"/>
-          </a:xfrm>
-        </p:grpSpPr>
-        <p:cxnSp>
-          <p:nvCxnSpPr>
-            <p:cNvPr id="14" name="Straight Arrow Connector 13"/>
-            <p:cNvCxnSpPr/>
-            <p:nvPr/>
-          </p:nvCxnSpPr>
-          <p:spPr>
-            <a:xfrm flipV="1">
-              <a:off x="1504950" y="2503657"/>
-              <a:ext cx="6438900" cy="57150"/>
-            </a:xfrm>
-            <a:prstGeom prst="straightConnector1">
-              <a:avLst/>
-            </a:prstGeom>
-            <a:ln>
-              <a:prstDash val="solid"/>
-              <a:headEnd type="none" w="lg" len="lg"/>
-              <a:tailEnd type="triangle" w="lg" len="lg"/>
-            </a:ln>
-            <a:effectLst/>
-          </p:spPr>
-          <p:style>
-            <a:lnRef idx="3">
-              <a:schemeClr val="dk1"/>
-            </a:lnRef>
-            <a:fillRef idx="0">
-              <a:schemeClr val="dk1"/>
-            </a:fillRef>
-            <a:effectRef idx="2">
-              <a:schemeClr val="dk1"/>
-            </a:effectRef>
-            <a:fontRef idx="minor">
-              <a:schemeClr val="tx1"/>
-            </a:fontRef>
-          </p:style>
-        </p:cxnSp>
-        <p:sp>
-          <p:nvSpPr>
-            <p:cNvPr id="15" name="Rounded Rectangle 14"/>
-            <p:cNvSpPr/>
-            <p:nvPr/>
-          </p:nvSpPr>
-          <p:spPr>
-            <a:xfrm>
-              <a:off x="895350" y="2303632"/>
-              <a:ext cx="457200" cy="457200"/>
-            </a:xfrm>
-            <a:prstGeom prst="roundRect">
-              <a:avLst>
-                <a:gd name="adj" fmla="val 11074"/>
-              </a:avLst>
-            </a:prstGeom>
-            <a:solidFill>
-              <a:srgbClr val="E3EAF9"/>
-            </a:solidFill>
-            <a:ln>
-              <a:solidFill>
-                <a:srgbClr val="4974CB"/>
-              </a:solidFill>
-            </a:ln>
-          </p:spPr>
-          <p:style>
-            <a:lnRef idx="2">
-              <a:schemeClr val="dk1"/>
-            </a:lnRef>
-            <a:fillRef idx="1">
-              <a:schemeClr val="lt1"/>
-            </a:fillRef>
-            <a:effectRef idx="0">
-              <a:schemeClr val="dk1"/>
-            </a:effectRef>
-            <a:fontRef idx="minor">
-              <a:schemeClr val="dk1"/>
-            </a:fontRef>
-          </p:style>
-          <p:txBody>
-            <a:bodyPr rtlCol="0" anchor="ctr"/>
-            <a:lstStyle/>
-            <a:p>
-              <a:pPr algn="ctr"/>
-              <a:endParaRPr lang="en-US" sz="1000"/>
-            </a:p>
-          </p:txBody>
-        </p:sp>
-      </p:grpSp>
-      <p:grpSp>
-        <p:nvGrpSpPr>
-          <p:cNvPr id="16" name="Group 15"/>
-          <p:cNvGrpSpPr/>
-          <p:nvPr/>
-        </p:nvGrpSpPr>
-        <p:grpSpPr>
-          <a:xfrm>
-            <a:off x="933450" y="3848506"/>
-            <a:ext cx="7048500" cy="457200"/>
-            <a:chOff x="895350" y="2303632"/>
-            <a:chExt cx="7048500" cy="457200"/>
-          </a:xfrm>
-        </p:grpSpPr>
-        <p:cxnSp>
-          <p:nvCxnSpPr>
-            <p:cNvPr id="17" name="Straight Arrow Connector 16"/>
-            <p:cNvCxnSpPr/>
-            <p:nvPr/>
-          </p:nvCxnSpPr>
-          <p:spPr>
-            <a:xfrm flipV="1">
-              <a:off x="1504950" y="2503657"/>
-              <a:ext cx="6438900" cy="57150"/>
-            </a:xfrm>
-            <a:prstGeom prst="straightConnector1">
-              <a:avLst/>
-            </a:prstGeom>
-            <a:ln>
-              <a:prstDash val="solid"/>
-              <a:headEnd type="none" w="lg" len="lg"/>
-              <a:tailEnd type="triangle" w="lg" len="lg"/>
-            </a:ln>
-            <a:effectLst/>
-          </p:spPr>
-          <p:style>
-            <a:lnRef idx="3">
-              <a:schemeClr val="dk1"/>
-            </a:lnRef>
-            <a:fillRef idx="0">
-              <a:schemeClr val="dk1"/>
-            </a:fillRef>
-            <a:effectRef idx="2">
-              <a:schemeClr val="dk1"/>
-            </a:effectRef>
-            <a:fontRef idx="minor">
-              <a:schemeClr val="tx1"/>
-            </a:fontRef>
-          </p:style>
-        </p:cxnSp>
-        <p:sp>
-          <p:nvSpPr>
-            <p:cNvPr id="18" name="Rounded Rectangle 17"/>
-            <p:cNvSpPr/>
-            <p:nvPr/>
-          </p:nvSpPr>
-          <p:spPr>
-            <a:xfrm>
-              <a:off x="895350" y="2303632"/>
-              <a:ext cx="457200" cy="457200"/>
-            </a:xfrm>
-            <a:prstGeom prst="roundRect">
-              <a:avLst>
-                <a:gd name="adj" fmla="val 11074"/>
-              </a:avLst>
-            </a:prstGeom>
-            <a:solidFill>
-              <a:srgbClr val="E3EAF9"/>
-            </a:solidFill>
-            <a:ln>
-              <a:solidFill>
-                <a:srgbClr val="4974CB"/>
-              </a:solidFill>
-            </a:ln>
-          </p:spPr>
-          <p:style>
-            <a:lnRef idx="2">
-              <a:schemeClr val="dk1"/>
-            </a:lnRef>
-            <a:fillRef idx="1">
-              <a:schemeClr val="lt1"/>
-            </a:fillRef>
-            <a:effectRef idx="0">
-              <a:schemeClr val="dk1"/>
-            </a:effectRef>
-            <a:fontRef idx="minor">
-              <a:schemeClr val="dk1"/>
-            </a:fontRef>
-          </p:style>
-          <p:txBody>
-            <a:bodyPr rtlCol="0" anchor="ctr"/>
-            <a:lstStyle/>
-            <a:p>
-              <a:pPr algn="ctr"/>
-              <a:endParaRPr lang="en-US" sz="1000"/>
-            </a:p>
-          </p:txBody>
-        </p:sp>
-      </p:grpSp>
-      <p:pic>
-        <p:nvPicPr>
-          <p:cNvPr id="20" name="Picture 559" descr="j0431564"/>
-          <p:cNvPicPr>
-            <a:picLocks noChangeAspect="1" noChangeArrowheads="1"/>
-          </p:cNvPicPr>
-          <p:nvPr/>
-        </p:nvPicPr>
-        <p:blipFill>
-          <a:blip r:embed="rId4">
-            <a:extLst>
-              <a:ext uri="{28A0092B-C50C-407E-A947-70E740481C1C}">
-                <a14:useLocalDpi xmlns:a14="http://schemas.microsoft.com/office/drawing/2010/main" val="0"/>
-              </a:ext>
-            </a:extLst>
-          </a:blip>
-          <a:srcRect/>
-          <a:stretch>
-            <a:fillRect/>
-          </a:stretch>
-        </p:blipFill>
-        <p:spPr bwMode="auto">
-          <a:xfrm>
-            <a:off x="1478439" y="1440176"/>
-            <a:ext cx="592703" cy="535606"/>
-          </a:xfrm>
-          <a:prstGeom prst="rect">
-            <a:avLst/>
-          </a:prstGeom>
-          <a:noFill/>
-          <a:ln>
-            <a:noFill/>
-          </a:ln>
-          <a:extLst>
-            <a:ext uri="{909E8E84-426E-40DD-AFC4-6F175D3DCCD1}">
-              <a14:hiddenFill xmlns:a14="http://schemas.microsoft.com/office/drawing/2010/main">
-                <a:solidFill>
-                  <a:srgbClr val="FFFFFF"/>
-                </a:solidFill>
-              </a14:hiddenFill>
-            </a:ext>
-            <a:ext uri="{91240B29-F687-4F45-9708-019B960494DF}">
-              <a14:hiddenLine xmlns:a14="http://schemas.microsoft.com/office/drawing/2010/main" w="9525">
-                <a:solidFill>
-                  <a:srgbClr val="000000"/>
-                </a:solidFill>
-                <a:miter lim="800000"/>
-                <a:headEnd/>
-                <a:tailEnd/>
-              </a14:hiddenLine>
-            </a:ext>
-          </a:extLst>
-        </p:spPr>
-      </p:pic>
-      <p:cxnSp>
-        <p:nvCxnSpPr>
-          <p:cNvPr id="21" name="Straight Connector 20"/>
-          <p:cNvCxnSpPr/>
-          <p:nvPr/>
-        </p:nvCxnSpPr>
-        <p:spPr>
-          <a:xfrm>
-            <a:off x="2297095" y="1848932"/>
-            <a:ext cx="296352" cy="895724"/>
-          </a:xfrm>
-          <a:prstGeom prst="line">
-            <a:avLst/>
-          </a:prstGeom>
-          <a:ln w="57150" cap="rnd">
-            <a:solidFill>
-              <a:srgbClr val="C00000"/>
-            </a:solidFill>
-            <a:tailEnd type="triangle" w="med" len="lg"/>
-          </a:ln>
-          <a:effectLst/>
-        </p:spPr>
-        <p:style>
-          <a:lnRef idx="2">
-            <a:schemeClr val="dk1"/>
-          </a:lnRef>
-          <a:fillRef idx="0">
-            <a:schemeClr val="dk1"/>
-          </a:fillRef>
-          <a:effectRef idx="1">
-            <a:schemeClr val="dk1"/>
-          </a:effectRef>
-          <a:fontRef idx="minor">
-            <a:schemeClr val="tx1"/>
-          </a:fontRef>
-        </p:style>
-      </p:cxnSp>
-      <p:sp>
-        <p:nvSpPr>
-          <p:cNvPr id="22" name="TextBox 21"/>
-          <p:cNvSpPr txBox="1"/>
-          <p:nvPr/>
-        </p:nvSpPr>
-        <p:spPr>
-          <a:xfrm flipH="1">
-            <a:off x="2297095" y="1791047"/>
-            <a:ext cx="1608863" cy="400110"/>
-          </a:xfrm>
-          <a:prstGeom prst="rect">
-            <a:avLst/>
-          </a:prstGeom>
-          <a:noFill/>
-        </p:spPr>
-        <p:txBody>
-          <a:bodyPr wrap="square" rtlCol="0">
-            <a:spAutoFit/>
-          </a:bodyPr>
-          <a:lstStyle/>
-          <a:p>
-            <a:r>
-              <a:rPr lang="en-US" dirty="0">
-                <a:latin typeface="Arial" charset="0"/>
-                <a:ea typeface="Arial" charset="0"/>
-                <a:cs typeface="Arial" charset="0"/>
-              </a:rPr>
-              <a:t>write(A,1)</a:t>
-            </a:r>
-          </a:p>
-        </p:txBody>
-      </p:sp>
-      <p:cxnSp>
-        <p:nvCxnSpPr>
-          <p:cNvPr id="26" name="Straight Connector 25"/>
-          <p:cNvCxnSpPr/>
-          <p:nvPr/>
-        </p:nvCxnSpPr>
-        <p:spPr>
-          <a:xfrm flipH="1">
-            <a:off x="3745139" y="1848932"/>
-            <a:ext cx="296352" cy="895724"/>
-          </a:xfrm>
-          <a:prstGeom prst="line">
-            <a:avLst/>
-          </a:prstGeom>
-          <a:ln w="57150" cap="rnd">
-            <a:solidFill>
-              <a:srgbClr val="C00000"/>
-            </a:solidFill>
-            <a:headEnd type="triangle" w="med" len="lg"/>
-            <a:tailEnd type="none" w="med" len="lg"/>
-          </a:ln>
-          <a:effectLst/>
-          <a:scene3d>
-            <a:camera prst="orthographicFront">
-              <a:rot lat="0" lon="300000" rev="0"/>
-            </a:camera>
-            <a:lightRig rig="threePt" dir="t"/>
-          </a:scene3d>
-        </p:spPr>
-        <p:style>
-          <a:lnRef idx="2">
-            <a:schemeClr val="dk1"/>
-          </a:lnRef>
-          <a:fillRef idx="0">
-            <a:schemeClr val="dk1"/>
-          </a:fillRef>
-          <a:effectRef idx="1">
-            <a:schemeClr val="dk1"/>
-          </a:effectRef>
-          <a:fontRef idx="minor">
-            <a:schemeClr val="tx1"/>
-          </a:fontRef>
-        </p:style>
-      </p:cxnSp>
-      <p:cxnSp>
-        <p:nvCxnSpPr>
-          <p:cNvPr id="28" name="Straight Arrow Connector 27"/>
-          <p:cNvCxnSpPr/>
-          <p:nvPr/>
-        </p:nvCxnSpPr>
-        <p:spPr>
-          <a:xfrm flipV="1">
-            <a:off x="2060047" y="1695450"/>
-            <a:ext cx="3254903" cy="0"/>
-          </a:xfrm>
-          <a:prstGeom prst="straightConnector1">
-            <a:avLst/>
-          </a:prstGeom>
-          <a:ln>
-            <a:prstDash val="solid"/>
-            <a:headEnd type="none" w="lg" len="lg"/>
-            <a:tailEnd type="triangle" w="lg" len="lg"/>
-          </a:ln>
-          <a:effectLst/>
-        </p:spPr>
-        <p:style>
-          <a:lnRef idx="3">
-            <a:schemeClr val="dk1"/>
-          </a:lnRef>
-          <a:fillRef idx="0">
-            <a:schemeClr val="dk1"/>
-          </a:fillRef>
-          <a:effectRef idx="2">
-            <a:schemeClr val="dk1"/>
-          </a:effectRef>
-          <a:fontRef idx="minor">
-            <a:schemeClr val="tx1"/>
-          </a:fontRef>
-        </p:style>
-      </p:cxnSp>
-      <p:pic>
-        <p:nvPicPr>
-          <p:cNvPr id="32" name="Picture 559" descr="j0431564"/>
-          <p:cNvPicPr>
-            <a:picLocks noChangeAspect="1" noChangeArrowheads="1"/>
-          </p:cNvPicPr>
-          <p:nvPr/>
-        </p:nvPicPr>
-        <p:blipFill>
-          <a:blip r:embed="rId4">
-            <a:extLst>
-              <a:ext uri="{28A0092B-C50C-407E-A947-70E740481C1C}">
-                <a14:useLocalDpi xmlns:a14="http://schemas.microsoft.com/office/drawing/2010/main" val="0"/>
-              </a:ext>
-            </a:extLst>
-          </a:blip>
-          <a:srcRect/>
-          <a:stretch>
-            <a:fillRect/>
-          </a:stretch>
-        </p:blipFill>
-        <p:spPr bwMode="auto">
-          <a:xfrm>
-            <a:off x="4508162" y="4504142"/>
-            <a:ext cx="592703" cy="535606"/>
-          </a:xfrm>
-          <a:prstGeom prst="rect">
-            <a:avLst/>
-          </a:prstGeom>
-          <a:noFill/>
-          <a:ln>
-            <a:noFill/>
-          </a:ln>
-          <a:extLst>
-            <a:ext uri="{909E8E84-426E-40DD-AFC4-6F175D3DCCD1}">
-              <a14:hiddenFill xmlns:a14="http://schemas.microsoft.com/office/drawing/2010/main">
-                <a:solidFill>
-                  <a:srgbClr val="FFFFFF"/>
-                </a:solidFill>
-              </a14:hiddenFill>
-            </a:ext>
-            <a:ext uri="{91240B29-F687-4F45-9708-019B960494DF}">
-              <a14:hiddenLine xmlns:a14="http://schemas.microsoft.com/office/drawing/2010/main" w="9525">
-                <a:solidFill>
-                  <a:srgbClr val="000000"/>
-                </a:solidFill>
-                <a:miter lim="800000"/>
-                <a:headEnd/>
-                <a:tailEnd/>
-              </a14:hiddenLine>
-            </a:ext>
-          </a:extLst>
-        </p:spPr>
-      </p:pic>
-      <p:cxnSp>
-        <p:nvCxnSpPr>
-          <p:cNvPr id="41" name="Straight Arrow Connector 40"/>
-          <p:cNvCxnSpPr/>
-          <p:nvPr/>
-        </p:nvCxnSpPr>
-        <p:spPr>
-          <a:xfrm>
-            <a:off x="5100865" y="4785810"/>
-            <a:ext cx="2458451" cy="0"/>
-          </a:xfrm>
-          <a:prstGeom prst="straightConnector1">
-            <a:avLst/>
-          </a:prstGeom>
-          <a:ln>
-            <a:prstDash val="solid"/>
-            <a:headEnd type="none" w="lg" len="lg"/>
-            <a:tailEnd type="triangle" w="lg" len="lg"/>
-          </a:ln>
-          <a:effectLst/>
-        </p:spPr>
-        <p:style>
-          <a:lnRef idx="3">
-            <a:schemeClr val="dk1"/>
-          </a:lnRef>
-          <a:fillRef idx="0">
-            <a:schemeClr val="dk1"/>
-          </a:fillRef>
-          <a:effectRef idx="2">
-            <a:schemeClr val="dk1"/>
-          </a:effectRef>
-          <a:fontRef idx="minor">
-            <a:schemeClr val="tx1"/>
-          </a:fontRef>
-        </p:style>
-      </p:cxnSp>
-      <p:sp>
-        <p:nvSpPr>
-          <p:cNvPr id="44" name="TextBox 43"/>
-          <p:cNvSpPr txBox="1"/>
-          <p:nvPr/>
-        </p:nvSpPr>
-        <p:spPr>
-          <a:xfrm flipH="1">
-            <a:off x="3753558" y="2322835"/>
-            <a:ext cx="1377401" cy="400110"/>
-          </a:xfrm>
-          <a:prstGeom prst="rect">
-            <a:avLst/>
-          </a:prstGeom>
-          <a:noFill/>
-        </p:spPr>
-        <p:txBody>
-          <a:bodyPr wrap="square" rtlCol="0">
-            <a:spAutoFit/>
-          </a:bodyPr>
-          <a:lstStyle/>
-          <a:p>
-            <a:r>
-              <a:rPr lang="en-US" dirty="0">
-                <a:latin typeface="Arial" charset="0"/>
-                <a:ea typeface="Arial" charset="0"/>
-                <a:cs typeface="Arial" charset="0"/>
-              </a:rPr>
-              <a:t>success</a:t>
-            </a:r>
-          </a:p>
-        </p:txBody>
-      </p:sp>
-      <p:cxnSp>
-        <p:nvCxnSpPr>
-          <p:cNvPr id="27" name="Straight Connector 26"/>
-          <p:cNvCxnSpPr/>
-          <p:nvPr/>
-        </p:nvCxnSpPr>
-        <p:spPr>
-          <a:xfrm>
-            <a:off x="4442258" y="1848932"/>
-            <a:ext cx="872692" cy="2833170"/>
-          </a:xfrm>
-          <a:prstGeom prst="line">
-            <a:avLst/>
-          </a:prstGeom>
-          <a:ln w="57150" cap="rnd">
-            <a:solidFill>
-              <a:srgbClr val="00B050"/>
-            </a:solidFill>
-            <a:tailEnd type="triangle" w="med" len="lg"/>
-          </a:ln>
-          <a:effectLst/>
-        </p:spPr>
-        <p:style>
-          <a:lnRef idx="2">
-            <a:schemeClr val="dk1"/>
-          </a:lnRef>
-          <a:fillRef idx="0">
-            <a:schemeClr val="dk1"/>
-          </a:fillRef>
-          <a:effectRef idx="1">
-            <a:schemeClr val="dk1"/>
-          </a:effectRef>
-          <a:fontRef idx="minor">
-            <a:schemeClr val="tx1"/>
-          </a:fontRef>
-        </p:style>
-      </p:cxnSp>
-      <p:cxnSp>
-        <p:nvCxnSpPr>
-          <p:cNvPr id="5" name="Straight Connector 4"/>
-          <p:cNvCxnSpPr/>
-          <p:nvPr/>
-        </p:nvCxnSpPr>
-        <p:spPr>
-          <a:xfrm>
-            <a:off x="3634214" y="2572157"/>
-            <a:ext cx="0" cy="1733549"/>
-          </a:xfrm>
-          <a:prstGeom prst="line">
-            <a:avLst/>
-          </a:prstGeom>
-          <a:ln>
-            <a:solidFill>
-              <a:schemeClr val="tx2">
-                <a:lumMod val="60000"/>
-                <a:lumOff val="40000"/>
-              </a:schemeClr>
-            </a:solidFill>
-            <a:prstDash val="sysDot"/>
-            <a:headEnd type="none"/>
-            <a:tailEnd type="none"/>
-          </a:ln>
-          <a:effectLst/>
-        </p:spPr>
-        <p:style>
-          <a:lnRef idx="3">
-            <a:schemeClr val="dk1"/>
-          </a:lnRef>
-          <a:fillRef idx="0">
-            <a:schemeClr val="dk1"/>
-          </a:fillRef>
-          <a:effectRef idx="2">
-            <a:schemeClr val="dk1"/>
-          </a:effectRef>
-          <a:fontRef idx="minor">
-            <a:schemeClr val="tx1"/>
-          </a:fontRef>
-        </p:style>
-      </p:cxnSp>
-      <p:sp>
-        <p:nvSpPr>
-          <p:cNvPr id="30" name="TextBox 29"/>
-          <p:cNvSpPr txBox="1"/>
-          <p:nvPr/>
-        </p:nvSpPr>
-        <p:spPr>
-          <a:xfrm flipH="1">
-            <a:off x="2849671" y="4269488"/>
-            <a:ext cx="1592586" cy="400110"/>
-          </a:xfrm>
-          <a:prstGeom prst="rect">
-            <a:avLst/>
-          </a:prstGeom>
-          <a:noFill/>
-        </p:spPr>
-        <p:txBody>
-          <a:bodyPr wrap="square" rtlCol="0">
-            <a:spAutoFit/>
-          </a:bodyPr>
-          <a:lstStyle/>
-          <a:p>
-            <a:r>
-              <a:rPr lang="en-US" dirty="0">
-                <a:latin typeface="Arial" charset="0"/>
-                <a:ea typeface="Arial" charset="0"/>
-                <a:cs typeface="Arial" charset="0"/>
-              </a:rPr>
-              <a:t>committed</a:t>
-            </a:r>
-          </a:p>
-        </p:txBody>
-      </p:sp>
-      <p:cxnSp>
-        <p:nvCxnSpPr>
-          <p:cNvPr id="31" name="Straight Connector 30"/>
-          <p:cNvCxnSpPr/>
-          <p:nvPr/>
-        </p:nvCxnSpPr>
-        <p:spPr>
-          <a:xfrm>
-            <a:off x="2709413" y="2917669"/>
-            <a:ext cx="396046" cy="521262"/>
-          </a:xfrm>
-          <a:prstGeom prst="line">
-            <a:avLst/>
-          </a:prstGeom>
-          <a:ln w="38100" cap="rnd">
-            <a:solidFill>
-              <a:srgbClr val="00B0F0"/>
-            </a:solidFill>
-            <a:tailEnd type="triangle" w="med" len="lg"/>
-          </a:ln>
-          <a:effectLst/>
-        </p:spPr>
-        <p:style>
-          <a:lnRef idx="2">
-            <a:schemeClr val="dk1"/>
-          </a:lnRef>
-          <a:fillRef idx="0">
-            <a:schemeClr val="dk1"/>
-          </a:fillRef>
-          <a:effectRef idx="1">
-            <a:schemeClr val="dk1"/>
-          </a:effectRef>
-          <a:fontRef idx="minor">
-            <a:schemeClr val="tx1"/>
-          </a:fontRef>
-        </p:style>
-      </p:cxnSp>
-      <p:cxnSp>
-        <p:nvCxnSpPr>
-          <p:cNvPr id="33" name="Straight Connector 32"/>
-          <p:cNvCxnSpPr/>
-          <p:nvPr/>
-        </p:nvCxnSpPr>
-        <p:spPr>
-          <a:xfrm>
-            <a:off x="2694302" y="2906171"/>
-            <a:ext cx="390834" cy="1128513"/>
-          </a:xfrm>
-          <a:prstGeom prst="line">
-            <a:avLst/>
-          </a:prstGeom>
-          <a:ln w="38100" cap="rnd">
-            <a:solidFill>
-              <a:srgbClr val="00B0F0"/>
-            </a:solidFill>
-            <a:tailEnd type="triangle" w="med" len="lg"/>
-          </a:ln>
-          <a:effectLst/>
-        </p:spPr>
-        <p:style>
-          <a:lnRef idx="2">
-            <a:schemeClr val="dk1"/>
-          </a:lnRef>
-          <a:fillRef idx="0">
-            <a:schemeClr val="dk1"/>
-          </a:fillRef>
-          <a:effectRef idx="1">
-            <a:schemeClr val="dk1"/>
-          </a:effectRef>
-          <a:fontRef idx="minor">
-            <a:schemeClr val="tx1"/>
-          </a:fontRef>
-        </p:style>
-      </p:cxnSp>
-      <p:cxnSp>
-        <p:nvCxnSpPr>
-          <p:cNvPr id="37" name="Straight Connector 36"/>
-          <p:cNvCxnSpPr/>
-          <p:nvPr/>
-        </p:nvCxnSpPr>
-        <p:spPr>
-          <a:xfrm flipH="1">
-            <a:off x="3156893" y="2876800"/>
-            <a:ext cx="396046" cy="521262"/>
-          </a:xfrm>
-          <a:prstGeom prst="line">
-            <a:avLst/>
-          </a:prstGeom>
-          <a:ln w="38100" cap="rnd">
-            <a:solidFill>
-              <a:srgbClr val="00B0F0"/>
-            </a:solidFill>
-            <a:headEnd type="triangle" w="med" len="lg"/>
-            <a:tailEnd type="none" w="med" len="lg"/>
-          </a:ln>
-          <a:effectLst/>
-        </p:spPr>
-        <p:style>
-          <a:lnRef idx="2">
-            <a:schemeClr val="dk1"/>
-          </a:lnRef>
-          <a:fillRef idx="0">
-            <a:schemeClr val="dk1"/>
-          </a:fillRef>
-          <a:effectRef idx="1">
-            <a:schemeClr val="dk1"/>
-          </a:effectRef>
-          <a:fontRef idx="minor">
-            <a:schemeClr val="tx1"/>
-          </a:fontRef>
-        </p:style>
-      </p:cxnSp>
-      <p:cxnSp>
-        <p:nvCxnSpPr>
-          <p:cNvPr id="39" name="Straight Connector 38"/>
-          <p:cNvCxnSpPr/>
-          <p:nvPr/>
-        </p:nvCxnSpPr>
-        <p:spPr>
-          <a:xfrm flipH="1">
-            <a:off x="3170810" y="2865302"/>
-            <a:ext cx="390834" cy="1128513"/>
-          </a:xfrm>
-          <a:prstGeom prst="line">
-            <a:avLst/>
-          </a:prstGeom>
-          <a:ln w="38100" cap="rnd">
-            <a:solidFill>
-              <a:srgbClr val="00B0F0"/>
-            </a:solidFill>
-            <a:headEnd type="triangle" w="med" len="lg"/>
-            <a:tailEnd type="none" w="med" len="lg"/>
-          </a:ln>
-          <a:effectLst/>
-        </p:spPr>
-        <p:style>
-          <a:lnRef idx="2">
-            <a:schemeClr val="dk1"/>
-          </a:lnRef>
-          <a:fillRef idx="0">
-            <a:schemeClr val="dk1"/>
-          </a:fillRef>
-          <a:effectRef idx="1">
-            <a:schemeClr val="dk1"/>
-          </a:effectRef>
-          <a:fontRef idx="minor">
-            <a:schemeClr val="tx1"/>
-          </a:fontRef>
-        </p:style>
-      </p:cxnSp>
-      <p:cxnSp>
-        <p:nvCxnSpPr>
-          <p:cNvPr id="49" name="Straight Connector 48"/>
-          <p:cNvCxnSpPr/>
-          <p:nvPr/>
-        </p:nvCxnSpPr>
-        <p:spPr>
-          <a:xfrm>
-            <a:off x="6494585" y="2865302"/>
-            <a:ext cx="432438" cy="1844172"/>
-          </a:xfrm>
-          <a:prstGeom prst="line">
-            <a:avLst/>
-          </a:prstGeom>
-          <a:ln w="57150" cap="rnd">
-            <a:solidFill>
-              <a:srgbClr val="C00000"/>
-            </a:solidFill>
-            <a:tailEnd type="triangle" w="med" len="lg"/>
-          </a:ln>
-          <a:effectLst/>
-        </p:spPr>
-        <p:style>
-          <a:lnRef idx="2">
-            <a:schemeClr val="dk1"/>
-          </a:lnRef>
-          <a:fillRef idx="0">
-            <a:schemeClr val="dk1"/>
-          </a:fillRef>
-          <a:effectRef idx="1">
-            <a:schemeClr val="dk1"/>
-          </a:effectRef>
-          <a:fontRef idx="minor">
-            <a:schemeClr val="tx1"/>
-          </a:fontRef>
-        </p:style>
-      </p:cxnSp>
-      <p:cxnSp>
-        <p:nvCxnSpPr>
-          <p:cNvPr id="50" name="Straight Connector 49"/>
-          <p:cNvCxnSpPr/>
-          <p:nvPr/>
-        </p:nvCxnSpPr>
-        <p:spPr>
-          <a:xfrm flipH="1">
-            <a:off x="5573227" y="2829332"/>
-            <a:ext cx="452435" cy="1836600"/>
-          </a:xfrm>
-          <a:prstGeom prst="line">
-            <a:avLst/>
-          </a:prstGeom>
-          <a:ln w="57150" cap="rnd">
-            <a:solidFill>
-              <a:srgbClr val="C00000"/>
-            </a:solidFill>
-            <a:headEnd type="triangle" w="med" len="lg"/>
-            <a:tailEnd type="none" w="med" len="lg"/>
-          </a:ln>
-          <a:effectLst/>
-          <a:scene3d>
-            <a:camera prst="orthographicFront">
-              <a:rot lat="0" lon="300000" rev="0"/>
-            </a:camera>
-            <a:lightRig rig="threePt" dir="t"/>
-          </a:scene3d>
-        </p:spPr>
-        <p:style>
-          <a:lnRef idx="2">
-            <a:schemeClr val="dk1"/>
-          </a:lnRef>
-          <a:fillRef idx="0">
-            <a:schemeClr val="dk1"/>
-          </a:fillRef>
-          <a:effectRef idx="1">
-            <a:schemeClr val="dk1"/>
-          </a:effectRef>
-          <a:fontRef idx="minor">
-            <a:schemeClr val="tx1"/>
-          </a:fontRef>
-        </p:style>
-      </p:cxnSp>
-      <p:sp>
-        <p:nvSpPr>
-          <p:cNvPr id="51" name="TextBox 50"/>
-          <p:cNvSpPr txBox="1"/>
-          <p:nvPr/>
-        </p:nvSpPr>
-        <p:spPr>
-          <a:xfrm flipH="1">
-            <a:off x="6778847" y="3671822"/>
-            <a:ext cx="395905" cy="400110"/>
-          </a:xfrm>
-          <a:prstGeom prst="rect">
-            <a:avLst/>
-          </a:prstGeom>
-          <a:noFill/>
-        </p:spPr>
-        <p:txBody>
-          <a:bodyPr wrap="square" rtlCol="0">
-            <a:spAutoFit/>
-          </a:bodyPr>
-          <a:lstStyle/>
-          <a:p>
-            <a:r>
-              <a:rPr lang="en-US" dirty="0">
-                <a:latin typeface="Arial" charset="0"/>
-                <a:ea typeface="Arial" charset="0"/>
-                <a:cs typeface="Arial" charset="0"/>
-              </a:rPr>
-              <a:t>1</a:t>
-            </a:r>
-          </a:p>
-        </p:txBody>
-      </p:sp>
-      <p:sp>
-        <p:nvSpPr>
-          <p:cNvPr id="52" name="TextBox 51"/>
-          <p:cNvSpPr txBox="1"/>
-          <p:nvPr/>
-        </p:nvSpPr>
-        <p:spPr>
-          <a:xfrm flipH="1">
-            <a:off x="5599230" y="4281992"/>
-            <a:ext cx="1182739" cy="400110"/>
-          </a:xfrm>
-          <a:prstGeom prst="rect">
-            <a:avLst/>
-          </a:prstGeom>
-          <a:noFill/>
-        </p:spPr>
-        <p:txBody>
-          <a:bodyPr wrap="square" rtlCol="0">
-            <a:spAutoFit/>
-          </a:bodyPr>
-          <a:lstStyle/>
-          <a:p>
-            <a:r>
-              <a:rPr lang="en-US" dirty="0">
-                <a:latin typeface="Arial" charset="0"/>
-                <a:ea typeface="Arial" charset="0"/>
-                <a:cs typeface="Arial" charset="0"/>
-              </a:rPr>
-              <a:t>read(A)</a:t>
-            </a:r>
-          </a:p>
-        </p:txBody>
-      </p:sp>
-      <p:sp>
-        <p:nvSpPr>
-          <p:cNvPr id="34" name="Rectangle 3">
-            <a:extLst>
-              <a:ext uri="{FF2B5EF4-FFF2-40B4-BE49-F238E27FC236}">
-                <a16:creationId xmlns:a16="http://schemas.microsoft.com/office/drawing/2014/main" id="{11322EA6-78DB-3A42-8884-89A72DB1D6AB}"/>
-              </a:ext>
-            </a:extLst>
-          </p:cNvPr>
-          <p:cNvSpPr txBox="1">
-            <a:spLocks noChangeArrowheads="1"/>
-          </p:cNvSpPr>
-          <p:nvPr/>
-        </p:nvSpPr>
-        <p:spPr bwMode="auto">
-          <a:xfrm>
-            <a:off x="628650" y="4874791"/>
-            <a:ext cx="7886700" cy="1748122"/>
-          </a:xfrm>
-          <a:prstGeom prst="rect">
-            <a:avLst/>
-          </a:prstGeom>
-          <a:noFill/>
-          <a:ln w="9525">
-            <a:noFill/>
-            <a:miter lim="800000"/>
-            <a:headEnd/>
-            <a:tailEnd/>
-          </a:ln>
-        </p:spPr>
-        <p:txBody>
-          <a:bodyPr vert="horz" wrap="square" lIns="36000" tIns="36000" rIns="36000" bIns="36000" numCol="1" anchor="t" anchorCtr="0" compatLnSpc="1">
-            <a:prstTxWarp prst="textNoShape">
-              <a:avLst/>
-            </a:prstTxWarp>
-            <a:noAutofit/>
-          </a:bodyPr>
-          <a:lstStyle>
-            <a:lvl1pPr marL="342900" indent="-342900" algn="l" defTabSz="457200" rtl="0" eaLnBrk="0" fontAlgn="base" hangingPunct="0">
-              <a:lnSpc>
-                <a:spcPct val="100000"/>
-              </a:lnSpc>
-              <a:spcBef>
-                <a:spcPts val="3000"/>
-              </a:spcBef>
-              <a:spcAft>
-                <a:spcPts val="800"/>
-              </a:spcAft>
-              <a:buFont typeface="Arial" pitchFamily="-1" charset="0"/>
-              <a:buChar char="•"/>
-              <a:defRPr sz="3000" kern="1200" spc="-50" baseline="0">
-                <a:solidFill>
-                  <a:schemeClr val="tx1"/>
-                </a:solidFill>
-                <a:latin typeface="+mn-lt"/>
-                <a:ea typeface="ＭＳ Ｐゴシック" pitchFamily="-1" charset="-128"/>
-                <a:cs typeface="ＭＳ Ｐゴシック" pitchFamily="-1" charset="-128"/>
-              </a:defRPr>
-            </a:lvl1pPr>
-            <a:lvl2pPr marL="742950" marR="0" indent="-285750" algn="l" defTabSz="457200" rtl="0" eaLnBrk="0" fontAlgn="base" latinLnBrk="0" hangingPunct="0">
-              <a:lnSpc>
-                <a:spcPct val="95000"/>
-              </a:lnSpc>
-              <a:spcBef>
-                <a:spcPts val="800"/>
-              </a:spcBef>
-              <a:spcAft>
-                <a:spcPts val="800"/>
-              </a:spcAft>
-              <a:buClrTx/>
-              <a:buSzTx/>
-              <a:buFont typeface="Arial" pitchFamily="-1" charset="0"/>
-              <a:buChar char="–"/>
-              <a:tabLst/>
-              <a:defRPr sz="2800" kern="1200" spc="-50" baseline="0">
-                <a:solidFill>
-                  <a:schemeClr val="tx1"/>
-                </a:solidFill>
-                <a:latin typeface="+mn-lt"/>
-                <a:ea typeface="ＭＳ Ｐゴシック" pitchFamily="-1" charset="-128"/>
-                <a:cs typeface="+mn-cs"/>
-              </a:defRPr>
-            </a:lvl2pPr>
-            <a:lvl3pPr marL="1143000" indent="-228600" algn="l" defTabSz="457200" rtl="0" eaLnBrk="0" fontAlgn="base" hangingPunct="0">
-              <a:lnSpc>
-                <a:spcPct val="90000"/>
-              </a:lnSpc>
-              <a:spcBef>
-                <a:spcPts val="800"/>
-              </a:spcBef>
-              <a:spcAft>
-                <a:spcPct val="0"/>
-              </a:spcAft>
-              <a:buFont typeface="Arial" pitchFamily="-1" charset="0"/>
-              <a:buChar char="•"/>
-              <a:defRPr sz="2400" kern="1200" spc="-50">
-                <a:solidFill>
-                  <a:schemeClr val="tx1"/>
-                </a:solidFill>
-                <a:latin typeface="+mn-lt"/>
-                <a:ea typeface="ＭＳ Ｐゴシック" pitchFamily="-1" charset="-128"/>
-                <a:cs typeface="+mn-cs"/>
-              </a:defRPr>
-            </a:lvl3pPr>
-            <a:lvl4pPr marL="1600200" indent="-228600" algn="l" defTabSz="457200" rtl="0" eaLnBrk="0" fontAlgn="base" hangingPunct="0">
-              <a:lnSpc>
-                <a:spcPct val="90000"/>
-              </a:lnSpc>
-              <a:spcBef>
-                <a:spcPts val="800"/>
-              </a:spcBef>
-              <a:spcAft>
-                <a:spcPct val="0"/>
-              </a:spcAft>
-              <a:buFont typeface="Arial" pitchFamily="-1" charset="0"/>
-              <a:buChar char="–"/>
-              <a:defRPr sz="2200" kern="1200" spc="-50">
-                <a:solidFill>
-                  <a:schemeClr val="tx1"/>
-                </a:solidFill>
-                <a:latin typeface="+mn-lt"/>
-                <a:ea typeface="ＭＳ Ｐゴシック" pitchFamily="-1" charset="-128"/>
-                <a:cs typeface="+mn-cs"/>
-              </a:defRPr>
-            </a:lvl4pPr>
-            <a:lvl5pPr marL="2057400" indent="-228600" algn="l" defTabSz="457200" rtl="0" eaLnBrk="0" fontAlgn="base" hangingPunct="0">
-              <a:lnSpc>
-                <a:spcPct val="90000"/>
-              </a:lnSpc>
-              <a:spcBef>
-                <a:spcPts val="800"/>
-              </a:spcBef>
-              <a:spcAft>
-                <a:spcPct val="0"/>
-              </a:spcAft>
-              <a:buFont typeface="Arial" pitchFamily="-1" charset="0"/>
-              <a:buChar char="»"/>
-              <a:defRPr sz="2200" kern="1200" spc="-50">
-                <a:solidFill>
-                  <a:schemeClr val="tx1"/>
-                </a:solidFill>
-                <a:latin typeface="+mn-lt"/>
-                <a:ea typeface="ＭＳ Ｐゴシック" pitchFamily="-1" charset="-128"/>
-                <a:cs typeface="+mn-cs"/>
-              </a:defRPr>
-            </a:lvl5pPr>
-            <a:lvl6pPr marL="2514600" indent="-228600" algn="l" defTabSz="457200" rtl="0" eaLnBrk="1" latinLnBrk="0" hangingPunct="1">
-              <a:spcBef>
-                <a:spcPct val="20000"/>
-              </a:spcBef>
-              <a:buFont typeface="Arial"/>
-              <a:buChar char="•"/>
-              <a:defRPr sz="2000" kern="1200">
-                <a:solidFill>
-                  <a:schemeClr val="tx1"/>
-                </a:solidFill>
-                <a:latin typeface="+mn-lt"/>
-                <a:ea typeface="+mn-ea"/>
-                <a:cs typeface="+mn-cs"/>
-              </a:defRPr>
-            </a:lvl6pPr>
-            <a:lvl7pPr marL="2971800" indent="-228600" algn="l" defTabSz="457200" rtl="0" eaLnBrk="1" latinLnBrk="0" hangingPunct="1">
-              <a:spcBef>
-                <a:spcPct val="20000"/>
-              </a:spcBef>
-              <a:buFont typeface="Arial"/>
-              <a:buChar char="•"/>
-              <a:defRPr sz="2000" kern="1200">
-                <a:solidFill>
-                  <a:schemeClr val="tx1"/>
-                </a:solidFill>
-                <a:latin typeface="+mn-lt"/>
-                <a:ea typeface="+mn-ea"/>
-                <a:cs typeface="+mn-cs"/>
-              </a:defRPr>
-            </a:lvl7pPr>
-            <a:lvl8pPr marL="3429000" indent="-228600" algn="l" defTabSz="457200" rtl="0" eaLnBrk="1" latinLnBrk="0" hangingPunct="1">
-              <a:spcBef>
-                <a:spcPct val="20000"/>
-              </a:spcBef>
-              <a:buFont typeface="Arial"/>
-              <a:buChar char="•"/>
-              <a:defRPr sz="2000" kern="1200">
-                <a:solidFill>
-                  <a:schemeClr val="tx1"/>
-                </a:solidFill>
-                <a:latin typeface="+mn-lt"/>
-                <a:ea typeface="+mn-ea"/>
-                <a:cs typeface="+mn-cs"/>
-              </a:defRPr>
-            </a:lvl8pPr>
-            <a:lvl9pPr marL="3886200" indent="-228600" algn="l" defTabSz="457200" rtl="0" eaLnBrk="1" latinLnBrk="0" hangingPunct="1">
-              <a:spcBef>
-                <a:spcPct val="20000"/>
-              </a:spcBef>
-              <a:buFont typeface="Arial"/>
-              <a:buChar char="•"/>
-              <a:defRPr sz="2000" kern="1200">
-                <a:solidFill>
-                  <a:schemeClr val="tx1"/>
-                </a:solidFill>
-                <a:latin typeface="+mn-lt"/>
-                <a:ea typeface="+mn-ea"/>
-                <a:cs typeface="+mn-cs"/>
-              </a:defRPr>
-            </a:lvl9pPr>
-          </a:lstStyle>
-          <a:p>
-            <a:pPr>
-              <a:spcBef>
-                <a:spcPts val="800"/>
-              </a:spcBef>
-              <a:spcAft>
-                <a:spcPts val="600"/>
-              </a:spcAft>
-            </a:pPr>
-            <a:r>
-              <a:rPr lang="en-US" sz="2400" dirty="0">
-                <a:latin typeface="Helvetica Neue Light" panose="02000403000000020004" pitchFamily="2" charset="0"/>
-                <a:ea typeface="Helvetica Neue Light" panose="02000403000000020004" pitchFamily="2" charset="0"/>
-              </a:rPr>
-              <a:t>Once write completes, all later reads (by wall-clock start time) should return value of that write or value of later write.</a:t>
-            </a:r>
-          </a:p>
-          <a:p>
-            <a:pPr>
-              <a:spcBef>
-                <a:spcPts val="800"/>
-              </a:spcBef>
-              <a:spcAft>
-                <a:spcPts val="600"/>
-              </a:spcAft>
-            </a:pPr>
-            <a:r>
-              <a:rPr lang="en-US" sz="2400" dirty="0">
-                <a:latin typeface="Helvetica Neue Light" panose="02000403000000020004" pitchFamily="2" charset="0"/>
-                <a:ea typeface="Helvetica Neue Light" panose="02000403000000020004" pitchFamily="2" charset="0"/>
-              </a:rPr>
-              <a:t>Once read returns particular value, all later reads should return that value or value of later write.</a:t>
-            </a:r>
-          </a:p>
-        </p:txBody>
-      </p:sp>
-      <p:sp>
-        <p:nvSpPr>
-          <p:cNvPr id="2" name="Footer Placeholder 1">
-            <a:extLst>
-              <a:ext uri="{FF2B5EF4-FFF2-40B4-BE49-F238E27FC236}">
-                <a16:creationId xmlns:a16="http://schemas.microsoft.com/office/drawing/2014/main" id="{E5D5F9FA-D37C-B941-A7C0-D78105FC68F7}"/>
-              </a:ext>
-            </a:extLst>
-          </p:cNvPr>
-          <p:cNvSpPr>
-            <a:spLocks noGrp="1"/>
-          </p:cNvSpPr>
-          <p:nvPr>
-            <p:ph type="ftr" sz="quarter" idx="11"/>
-          </p:nvPr>
-        </p:nvSpPr>
-        <p:spPr/>
-        <p:txBody>
-          <a:bodyPr/>
-          <a:lstStyle/>
-          <a:p>
-            <a:r>
-              <a:rPr lang="en-US"/>
-              <a:t>UVA CS4740 Fall '24</a:t>
-            </a:r>
-            <a:endParaRPr lang="en-US" dirty="0"/>
-          </a:p>
-        </p:txBody>
-      </p:sp>
-      <p:sp>
-        <p:nvSpPr>
-          <p:cNvPr id="7" name="Date Placeholder 6">
-            <a:extLst>
-              <a:ext uri="{FF2B5EF4-FFF2-40B4-BE49-F238E27FC236}">
-                <a16:creationId xmlns:a16="http://schemas.microsoft.com/office/drawing/2014/main" id="{E69A6938-811A-DA41-AB68-7686D7645767}"/>
-              </a:ext>
-            </a:extLst>
-          </p:cNvPr>
-          <p:cNvSpPr>
-            <a:spLocks noGrp="1"/>
-          </p:cNvSpPr>
-          <p:nvPr>
-            <p:ph type="dt" sz="half" idx="10"/>
-          </p:nvPr>
-        </p:nvSpPr>
-        <p:spPr/>
-        <p:txBody>
-          <a:bodyPr/>
-          <a:lstStyle/>
-          <a:p>
-            <a:r>
-              <a:rPr lang="en-US"/>
-              <a:t>Y. Cheng</a:t>
-            </a:r>
-            <a:endParaRPr lang="en-US" dirty="0"/>
-          </a:p>
-        </p:txBody>
-      </p:sp>
-    </p:spTree>
-    <p:extLst>
-      <p:ext uri="{BB962C8B-B14F-4D97-AF65-F5344CB8AC3E}">
-        <p14:creationId xmlns:p14="http://schemas.microsoft.com/office/powerpoint/2010/main" val="1928252345"/>
       </p:ext>
     </p:extLst>
   </p:cSld>
